--- a/project_2_powepoin.pptx
+++ b/project_2_powepoin.pptx
@@ -5,25 +5,26 @@
     <p:sldMasterId id="2147484360" r:id="rId1"/>
   </p:sldMasterIdLst>
   <p:notesMasterIdLst>
-    <p:notesMasterId r:id="rId18"/>
+    <p:notesMasterId r:id="rId19"/>
   </p:notesMasterIdLst>
   <p:sldIdLst>
     <p:sldId id="256" r:id="rId2"/>
-    <p:sldId id="258" r:id="rId3"/>
-    <p:sldId id="261" r:id="rId4"/>
-    <p:sldId id="257" r:id="rId5"/>
+    <p:sldId id="261" r:id="rId3"/>
+    <p:sldId id="257" r:id="rId4"/>
+    <p:sldId id="274" r:id="rId5"/>
     <p:sldId id="263" r:id="rId6"/>
     <p:sldId id="264" r:id="rId7"/>
     <p:sldId id="265" r:id="rId8"/>
-    <p:sldId id="266" r:id="rId9"/>
+    <p:sldId id="275" r:id="rId9"/>
     <p:sldId id="267" r:id="rId10"/>
     <p:sldId id="268" r:id="rId11"/>
     <p:sldId id="259" r:id="rId12"/>
-    <p:sldId id="269" r:id="rId13"/>
-    <p:sldId id="272" r:id="rId14"/>
-    <p:sldId id="262" r:id="rId15"/>
-    <p:sldId id="271" r:id="rId16"/>
-    <p:sldId id="273" r:id="rId17"/>
+    <p:sldId id="262" r:id="rId13"/>
+    <p:sldId id="271" r:id="rId14"/>
+    <p:sldId id="273" r:id="rId15"/>
+    <p:sldId id="266" r:id="rId16"/>
+    <p:sldId id="272" r:id="rId17"/>
+    <p:sldId id="269" r:id="rId18"/>
   </p:sldIdLst>
   <p:sldSz cx="12192000" cy="6858000"/>
   <p:notesSz cx="6858000" cy="9144000"/>
@@ -553,7 +554,7 @@
           <a:p>
             <a:fld id="{0FF8D9C6-67EA-9046-98D2-7F3261CB1A34}" type="slidenum">
               <a:rPr lang="en-US" smtClean="0"/>
-              <a:t>3</a:t>
+              <a:t>2</a:t>
             </a:fld>
             <a:endParaRPr lang="en-US"/>
           </a:p>
@@ -616,109 +617,18 @@
           <a:bodyPr/>
           <a:lstStyle/>
           <a:p>
-            <a:pPr marL="0" marR="0" lvl="0" indent="0" algn="l" defTabSz="914400" rtl="0" eaLnBrk="1" fontAlgn="auto" latinLnBrk="0" hangingPunct="1">
-              <a:lnSpc>
-                <a:spcPct val="100000"/>
-              </a:lnSpc>
-              <a:spcBef>
-                <a:spcPts val="0"/>
-              </a:spcBef>
-              <a:spcAft>
-                <a:spcPts val="0"/>
-              </a:spcAft>
-              <a:buClrTx/>
-              <a:buSzTx/>
-              <a:buFontTx/>
-              <a:buNone/>
-              <a:tabLst/>
-              <a:defRPr/>
-            </a:pPr>
             <a:r>
               <a:rPr lang="en-US" dirty="0"/>
-              <a:t>Number of time a player gets the football is a </a:t>
-            </a:r>
-            <a:r>
-              <a:rPr lang="en-US" b="1" dirty="0"/>
-              <a:t>counting variable</a:t>
-            </a:r>
-          </a:p>
-          <a:p>
-            <a:pPr marL="0" marR="0" lvl="0" indent="0" algn="l" defTabSz="914400" rtl="0" eaLnBrk="1" fontAlgn="auto" latinLnBrk="0" hangingPunct="1">
-              <a:lnSpc>
-                <a:spcPct val="100000"/>
-              </a:lnSpc>
-              <a:spcBef>
-                <a:spcPts val="0"/>
-              </a:spcBef>
-              <a:spcAft>
-                <a:spcPts val="0"/>
-              </a:spcAft>
-              <a:buClrTx/>
-              <a:buSzTx/>
-              <a:buFontTx/>
-              <a:buNone/>
-              <a:tabLst/>
-              <a:defRPr/>
-            </a:pPr>
-            <a:r>
-              <a:rPr lang="en-US" sz="1200" b="0" i="0" kern="1200" dirty="0">
-                <a:solidFill>
-                  <a:schemeClr val="tx1"/>
-                </a:solidFill>
-                <a:effectLst/>
-                <a:latin typeface="+mn-lt"/>
-                <a:ea typeface="+mn-ea"/>
-                <a:cs typeface="+mn-cs"/>
-              </a:rPr>
-              <a:t>Heteroskedasticity has serious consequences for the OLS estimator. Although the OLS estimator remains unbiased, the estimated SE is wrong. Because of this, confidence intervals and hypotheses tests cannot be relied on.</a:t>
-            </a:r>
-            <a:endParaRPr lang="en-US" b="1" dirty="0"/>
-          </a:p>
-          <a:p>
-            <a:pPr marL="0" marR="0" lvl="0" indent="0" algn="l" defTabSz="914400" rtl="0" eaLnBrk="1" fontAlgn="auto" latinLnBrk="0" hangingPunct="1">
-              <a:lnSpc>
-                <a:spcPct val="100000"/>
-              </a:lnSpc>
-              <a:spcBef>
-                <a:spcPts val="0"/>
-              </a:spcBef>
-              <a:spcAft>
-                <a:spcPts val="0"/>
-              </a:spcAft>
-              <a:buClrTx/>
-              <a:buSzTx/>
-              <a:buFontTx/>
-              <a:buNone/>
-              <a:tabLst/>
-              <a:defRPr/>
-            </a:pPr>
+              <a:t>You want the ball in your best player’s hands, and the best player should be going to </a:t>
+            </a:r>
+            <a:r>
+              <a:rPr lang="en-US" dirty="0" err="1"/>
+              <a:t>probowl</a:t>
+            </a:r>
             <a:r>
               <a:rPr lang="en-US" dirty="0"/>
-              <a:t>Future research could include Poison regression</a:t>
-            </a:r>
-          </a:p>
-          <a:p>
-            <a:pPr marL="0" marR="0" lvl="0" indent="0" algn="l" defTabSz="914400" rtl="0" eaLnBrk="1" fontAlgn="auto" latinLnBrk="0" hangingPunct="1">
-              <a:lnSpc>
-                <a:spcPct val="100000"/>
-              </a:lnSpc>
-              <a:spcBef>
-                <a:spcPts val="0"/>
-              </a:spcBef>
-              <a:spcAft>
-                <a:spcPts val="0"/>
-              </a:spcAft>
-              <a:buClrTx/>
-              <a:buSzTx/>
-              <a:buFontTx/>
-              <a:buNone/>
-              <a:tabLst/>
-              <a:defRPr/>
-            </a:pPr>
-            <a:endParaRPr lang="en-US" b="1" dirty="0"/>
-          </a:p>
-          <a:p>
-            <a:endParaRPr lang="en-US" dirty="0"/>
+              <a:t>!</a:t>
+            </a:r>
           </a:p>
         </p:txBody>
       </p:sp>
@@ -739,7 +649,7 @@
           <a:p>
             <a:fld id="{0FF8D9C6-67EA-9046-98D2-7F3261CB1A34}" type="slidenum">
               <a:rPr lang="en-US" smtClean="0"/>
-              <a:t>10</a:t>
+              <a:t>7</a:t>
             </a:fld>
             <a:endParaRPr lang="en-US"/>
           </a:p>
@@ -748,7 +658,7 @@
     </p:spTree>
     <p:extLst>
       <p:ext uri="{BB962C8B-B14F-4D97-AF65-F5344CB8AC3E}">
-        <p14:creationId xmlns:p14="http://schemas.microsoft.com/office/powerpoint/2010/main" val="1714003579"/>
+        <p14:creationId xmlns:p14="http://schemas.microsoft.com/office/powerpoint/2010/main" val="2816556002"/>
       </p:ext>
     </p:extLst>
   </p:cSld>
@@ -802,10 +712,109 @@
           <a:bodyPr/>
           <a:lstStyle/>
           <a:p>
+            <a:pPr marL="0" marR="0" lvl="0" indent="0" algn="l" defTabSz="914400" rtl="0" eaLnBrk="1" fontAlgn="auto" latinLnBrk="0" hangingPunct="1">
+              <a:lnSpc>
+                <a:spcPct val="100000"/>
+              </a:lnSpc>
+              <a:spcBef>
+                <a:spcPts val="0"/>
+              </a:spcBef>
+              <a:spcAft>
+                <a:spcPts val="0"/>
+              </a:spcAft>
+              <a:buClrTx/>
+              <a:buSzTx/>
+              <a:buFontTx/>
+              <a:buNone/>
+              <a:tabLst/>
+              <a:defRPr/>
+            </a:pPr>
             <a:r>
               <a:rPr lang="en-US" dirty="0"/>
-              <a:t>In logistic regression observations y∈{0,1} are assumed to follow a Bernoulli distribution</a:t>
-            </a:r>
+              <a:t>Number of time a player gets the football is a </a:t>
+            </a:r>
+            <a:r>
+              <a:rPr lang="en-US" b="1" dirty="0"/>
+              <a:t>counting variable</a:t>
+            </a:r>
+          </a:p>
+          <a:p>
+            <a:pPr marL="0" marR="0" lvl="0" indent="0" algn="l" defTabSz="914400" rtl="0" eaLnBrk="1" fontAlgn="auto" latinLnBrk="0" hangingPunct="1">
+              <a:lnSpc>
+                <a:spcPct val="100000"/>
+              </a:lnSpc>
+              <a:spcBef>
+                <a:spcPts val="0"/>
+              </a:spcBef>
+              <a:spcAft>
+                <a:spcPts val="0"/>
+              </a:spcAft>
+              <a:buClrTx/>
+              <a:buSzTx/>
+              <a:buFontTx/>
+              <a:buNone/>
+              <a:tabLst/>
+              <a:defRPr/>
+            </a:pPr>
+            <a:r>
+              <a:rPr lang="en-US" sz="1200" b="0" i="0" kern="1200" dirty="0">
+                <a:solidFill>
+                  <a:schemeClr val="tx1"/>
+                </a:solidFill>
+                <a:effectLst/>
+                <a:latin typeface="+mn-lt"/>
+                <a:ea typeface="+mn-ea"/>
+                <a:cs typeface="+mn-cs"/>
+              </a:rPr>
+              <a:t>Heteroskedasticity has serious consequences for the OLS estimator. Although the OLS estimator remains unbiased, the estimated SE is wrong. Because of this, confidence intervals and hypotheses tests cannot be relied on.</a:t>
+            </a:r>
+            <a:endParaRPr lang="en-US" b="1" dirty="0"/>
+          </a:p>
+          <a:p>
+            <a:pPr marL="0" marR="0" lvl="0" indent="0" algn="l" defTabSz="914400" rtl="0" eaLnBrk="1" fontAlgn="auto" latinLnBrk="0" hangingPunct="1">
+              <a:lnSpc>
+                <a:spcPct val="100000"/>
+              </a:lnSpc>
+              <a:spcBef>
+                <a:spcPts val="0"/>
+              </a:spcBef>
+              <a:spcAft>
+                <a:spcPts val="0"/>
+              </a:spcAft>
+              <a:buClrTx/>
+              <a:buSzTx/>
+              <a:buFontTx/>
+              <a:buNone/>
+              <a:tabLst/>
+              <a:defRPr/>
+            </a:pPr>
+            <a:r>
+              <a:rPr lang="en-US" dirty="0"/>
+              <a:t>Future research could include Poison regression</a:t>
+            </a:r>
+          </a:p>
+          <a:p>
+            <a:pPr marL="0" marR="0" lvl="0" indent="0" algn="l" defTabSz="914400" rtl="0" eaLnBrk="1" fontAlgn="auto" latinLnBrk="0" hangingPunct="1">
+              <a:lnSpc>
+                <a:spcPct val="100000"/>
+              </a:lnSpc>
+              <a:spcBef>
+                <a:spcPts val="0"/>
+              </a:spcBef>
+              <a:spcAft>
+                <a:spcPts val="0"/>
+              </a:spcAft>
+              <a:buClrTx/>
+              <a:buSzTx/>
+              <a:buFontTx/>
+              <a:buNone/>
+              <a:tabLst/>
+              <a:defRPr/>
+            </a:pPr>
+            <a:endParaRPr lang="en-US" b="1" dirty="0"/>
+          </a:p>
+          <a:p>
+            <a:endParaRPr lang="en-US" dirty="0"/>
           </a:p>
         </p:txBody>
       </p:sp>
@@ -826,7 +835,7 @@
           <a:p>
             <a:fld id="{0FF8D9C6-67EA-9046-98D2-7F3261CB1A34}" type="slidenum">
               <a:rPr lang="en-US" smtClean="0"/>
-              <a:t>12</a:t>
+              <a:t>10</a:t>
             </a:fld>
             <a:endParaRPr lang="en-US"/>
           </a:p>
@@ -835,7 +844,7 @@
     </p:spTree>
     <p:extLst>
       <p:ext uri="{BB962C8B-B14F-4D97-AF65-F5344CB8AC3E}">
-        <p14:creationId xmlns:p14="http://schemas.microsoft.com/office/powerpoint/2010/main" val="1615905342"/>
+        <p14:creationId xmlns:p14="http://schemas.microsoft.com/office/powerpoint/2010/main" val="1714003579"/>
       </p:ext>
     </p:extLst>
   </p:cSld>
@@ -899,10 +908,12 @@
                 <a:ea typeface="+mn-ea"/>
                 <a:cs typeface="+mn-cs"/>
               </a:rPr>
-              <a:t>Recall in this context is defined as the </a:t>
-            </a:r>
-            <a:r>
-              <a:rPr lang="en-US" sz="1200" b="0" i="1" kern="1200" dirty="0">
+              <a:t>The closer the curve follows the left-hand border and then the top border of the ROC space, the more accurate the test.</a:t>
+            </a:r>
+          </a:p>
+          <a:p>
+            <a:r>
+              <a:rPr lang="en-US" sz="1200" b="0" i="0" kern="1200" dirty="0">
                 <a:solidFill>
                   <a:schemeClr val="tx1"/>
                 </a:solidFill>
@@ -911,7 +922,21 @@
                 <a:ea typeface="+mn-ea"/>
                 <a:cs typeface="+mn-cs"/>
               </a:rPr>
-              <a:t>number of true positives divided by the total number of elements that actually belong to the positive class</a:t>
+              <a:t>The closer the curve comes to the 45-degree diagonal of the ROC space, the less accurate the test.</a:t>
+            </a:r>
+          </a:p>
+          <a:p>
+            <a:r>
+              <a:rPr lang="en-US" sz="1200" b="0" i="0" kern="1200" dirty="0">
+                <a:solidFill>
+                  <a:schemeClr val="tx1"/>
+                </a:solidFill>
+                <a:effectLst/>
+                <a:latin typeface="+mn-lt"/>
+                <a:ea typeface="+mn-ea"/>
+                <a:cs typeface="+mn-cs"/>
+              </a:rPr>
+              <a:t>The AUC thus gives the probability that the model correctly ranks such pairs of observations.</a:t>
             </a:r>
           </a:p>
           <a:p>
@@ -936,7 +961,7 @@
           <a:p>
             <a:fld id="{0FF8D9C6-67EA-9046-98D2-7F3261CB1A34}" type="slidenum">
               <a:rPr lang="en-US" smtClean="0"/>
-              <a:t>13</a:t>
+              <a:t>12</a:t>
             </a:fld>
             <a:endParaRPr lang="en-US"/>
           </a:p>
@@ -945,7 +970,7 @@
     </p:spTree>
     <p:extLst>
       <p:ext uri="{BB962C8B-B14F-4D97-AF65-F5344CB8AC3E}">
-        <p14:creationId xmlns:p14="http://schemas.microsoft.com/office/powerpoint/2010/main" val="4277097405"/>
+        <p14:creationId xmlns:p14="http://schemas.microsoft.com/office/powerpoint/2010/main" val="27118532"/>
       </p:ext>
     </p:extLst>
   </p:cSld>
@@ -999,6 +1024,23 @@
           <a:bodyPr/>
           <a:lstStyle/>
           <a:p>
+            <a:pPr marL="0" marR="0" lvl="0" indent="0" algn="l" defTabSz="914400" rtl="0" eaLnBrk="1" fontAlgn="auto" latinLnBrk="0" hangingPunct="1">
+              <a:lnSpc>
+                <a:spcPct val="100000"/>
+              </a:lnSpc>
+              <a:spcBef>
+                <a:spcPts val="0"/>
+              </a:spcBef>
+              <a:spcAft>
+                <a:spcPts val="0"/>
+              </a:spcAft>
+              <a:buClrTx/>
+              <a:buSzTx/>
+              <a:buFontTx/>
+              <a:buNone/>
+              <a:tabLst/>
+              <a:defRPr/>
+            </a:pPr>
             <a:r>
               <a:rPr lang="en-US" sz="1200" b="0" i="0" kern="1200" dirty="0">
                 <a:solidFill>
@@ -1009,10 +1051,39 @@
                 <a:ea typeface="+mn-ea"/>
                 <a:cs typeface="+mn-cs"/>
               </a:rPr>
-              <a:t>The closer the curve follows the left-hand border and then the top border of the ROC space, the more accurate the test.</a:t>
-            </a:r>
-          </a:p>
-          <a:p>
+              <a:t>Recall: What proportion of actual positives was identified correctly?</a:t>
+            </a:r>
+          </a:p>
+          <a:p>
+            <a:pPr marL="0" marR="0" lvl="0" indent="0" algn="l" defTabSz="914400" rtl="0" eaLnBrk="1" fontAlgn="auto" latinLnBrk="0" hangingPunct="1">
+              <a:lnSpc>
+                <a:spcPct val="100000"/>
+              </a:lnSpc>
+              <a:spcBef>
+                <a:spcPts val="0"/>
+              </a:spcBef>
+              <a:spcAft>
+                <a:spcPts val="0"/>
+              </a:spcAft>
+              <a:buClrTx/>
+              <a:buSzTx/>
+              <a:buFontTx/>
+              <a:buNone/>
+              <a:tabLst/>
+              <a:defRPr/>
+            </a:pPr>
+            <a:r>
+              <a:rPr lang="en-US" sz="1200" b="0" i="0" kern="1200" dirty="0" err="1">
+                <a:solidFill>
+                  <a:schemeClr val="tx1"/>
+                </a:solidFill>
+                <a:effectLst/>
+                <a:latin typeface="+mn-lt"/>
+                <a:ea typeface="+mn-ea"/>
+                <a:cs typeface="+mn-cs"/>
+              </a:rPr>
+              <a:t>Pecision</a:t>
+            </a:r>
             <a:r>
               <a:rPr lang="en-US" sz="1200" b="0" i="0" kern="1200" dirty="0">
                 <a:solidFill>
@@ -1023,10 +1094,8 @@
                 <a:ea typeface="+mn-ea"/>
                 <a:cs typeface="+mn-cs"/>
               </a:rPr>
-              <a:t>The closer the curve comes to the 45-degree diagonal of the ROC space, the less accurate the test.</a:t>
-            </a:r>
-          </a:p>
-          <a:p>
+              <a:t>: What proportion of positive identifications was actually correct?</a:t>
+            </a:r>
             <a:endParaRPr lang="en-US" dirty="0"/>
           </a:p>
         </p:txBody>
@@ -1048,7 +1117,7 @@
           <a:p>
             <a:fld id="{0FF8D9C6-67EA-9046-98D2-7F3261CB1A34}" type="slidenum">
               <a:rPr lang="en-US" smtClean="0"/>
-              <a:t>14</a:t>
+              <a:t>16</a:t>
             </a:fld>
             <a:endParaRPr lang="en-US"/>
           </a:p>
@@ -1057,7 +1126,94 @@
     </p:spTree>
     <p:extLst>
       <p:ext uri="{BB962C8B-B14F-4D97-AF65-F5344CB8AC3E}">
-        <p14:creationId xmlns:p14="http://schemas.microsoft.com/office/powerpoint/2010/main" val="27118532"/>
+        <p14:creationId xmlns:p14="http://schemas.microsoft.com/office/powerpoint/2010/main" val="4277097405"/>
+      </p:ext>
+    </p:extLst>
+  </p:cSld>
+  <p:clrMapOvr>
+    <a:masterClrMapping/>
+  </p:clrMapOvr>
+</p:notes>
+</file>
+
+<file path=ppt/notesSlides/notesSlide6.xml><?xml version="1.0" encoding="utf-8"?>
+<p:notes xmlns:a="http://schemas.openxmlformats.org/drawingml/2006/main" xmlns:r="http://schemas.openxmlformats.org/officeDocument/2006/relationships" xmlns:p="http://schemas.openxmlformats.org/presentationml/2006/main">
+  <p:cSld>
+    <p:spTree>
+      <p:nvGrpSpPr>
+        <p:cNvPr id="1" name=""/>
+        <p:cNvGrpSpPr/>
+        <p:nvPr/>
+      </p:nvGrpSpPr>
+      <p:grpSpPr>
+        <a:xfrm>
+          <a:off x="0" y="0"/>
+          <a:ext cx="0" cy="0"/>
+          <a:chOff x="0" y="0"/>
+          <a:chExt cx="0" cy="0"/>
+        </a:xfrm>
+      </p:grpSpPr>
+      <p:sp>
+        <p:nvSpPr>
+          <p:cNvPr id="2" name="Slide Image Placeholder 1"/>
+          <p:cNvSpPr>
+            <a:spLocks noGrp="1" noRot="1" noChangeAspect="1"/>
+          </p:cNvSpPr>
+          <p:nvPr>
+            <p:ph type="sldImg"/>
+          </p:nvPr>
+        </p:nvSpPr>
+        <p:spPr/>
+      </p:sp>
+      <p:sp>
+        <p:nvSpPr>
+          <p:cNvPr id="3" name="Notes Placeholder 2"/>
+          <p:cNvSpPr>
+            <a:spLocks noGrp="1"/>
+          </p:cNvSpPr>
+          <p:nvPr>
+            <p:ph type="body" idx="1"/>
+          </p:nvPr>
+        </p:nvSpPr>
+        <p:spPr/>
+        <p:txBody>
+          <a:bodyPr/>
+          <a:lstStyle/>
+          <a:p>
+            <a:r>
+              <a:rPr lang="en-US" dirty="0"/>
+              <a:t>In logistic regression observations y∈{0,1} are assumed to follow a Bernoulli distribution</a:t>
+            </a:r>
+          </a:p>
+        </p:txBody>
+      </p:sp>
+      <p:sp>
+        <p:nvSpPr>
+          <p:cNvPr id="4" name="Slide Number Placeholder 3"/>
+          <p:cNvSpPr>
+            <a:spLocks noGrp="1"/>
+          </p:cNvSpPr>
+          <p:nvPr>
+            <p:ph type="sldNum" sz="quarter" idx="5"/>
+          </p:nvPr>
+        </p:nvSpPr>
+        <p:spPr/>
+        <p:txBody>
+          <a:bodyPr/>
+          <a:lstStyle/>
+          <a:p>
+            <a:fld id="{0FF8D9C6-67EA-9046-98D2-7F3261CB1A34}" type="slidenum">
+              <a:rPr lang="en-US" smtClean="0"/>
+              <a:t>17</a:t>
+            </a:fld>
+            <a:endParaRPr lang="en-US"/>
+          </a:p>
+        </p:txBody>
+      </p:sp>
+    </p:spTree>
+    <p:extLst>
+      <p:ext uri="{BB962C8B-B14F-4D97-AF65-F5344CB8AC3E}">
+        <p14:creationId xmlns:p14="http://schemas.microsoft.com/office/powerpoint/2010/main" val="1615905342"/>
       </p:ext>
     </p:extLst>
   </p:cSld>
@@ -4992,16 +5148,23 @@
                 <p:ph idx="1"/>
               </p:nvPr>
             </p:nvSpPr>
-            <p:spPr/>
+            <p:spPr>
+              <a:xfrm>
+                <a:off x="1130270" y="2171768"/>
+                <a:ext cx="9603275" cy="3732907"/>
+              </a:xfrm>
+            </p:spPr>
             <p:txBody>
-              <a:bodyPr/>
+              <a:bodyPr>
+                <a:noAutofit/>
+              </a:bodyPr>
               <a:lstStyle/>
               <a:p>
                 <a:pPr marL="0" indent="0">
                   <a:buNone/>
                 </a:pPr>
                 <a:r>
-                  <a:rPr lang="en-US" u="sng" dirty="0">
+                  <a:rPr lang="en-US" sz="2800" u="sng" dirty="0">
                     <a:latin typeface="Palatino" pitchFamily="2" charset="77"/>
                     <a:ea typeface="Palatino" pitchFamily="2" charset="77"/>
                   </a:rPr>
@@ -5009,7 +5172,10 @@
                 </a:r>
               </a:p>
               <a:p>
-                <a:endParaRPr lang="en-US" dirty="0">
+                <a:pPr marL="0" indent="0">
+                  <a:buNone/>
+                </a:pPr>
+                <a:endParaRPr lang="en-US" sz="2800" dirty="0">
                   <a:latin typeface="Palatino" pitchFamily="2" charset="77"/>
                   <a:ea typeface="Palatino" pitchFamily="2" charset="77"/>
                 </a:endParaRPr>
@@ -5019,21 +5185,14 @@
                   <a:buNone/>
                 </a:pPr>
                 <a:r>
-                  <a:rPr lang="en-US" dirty="0">
-                    <a:latin typeface="Palatino" pitchFamily="2" charset="77"/>
-                    <a:ea typeface="Palatino" pitchFamily="2" charset="77"/>
-                  </a:rPr>
-                  <a:t>	</a:t>
-                </a:r>
-                <a:r>
-                  <a:rPr lang="en-US" dirty="0" err="1">
+                  <a:rPr lang="en-US" sz="2400" dirty="0" err="1">
                     <a:latin typeface="Palatino" pitchFamily="2" charset="77"/>
                     <a:ea typeface="Palatino" pitchFamily="2" charset="77"/>
                   </a:rPr>
                   <a:t>ProBowl</a:t>
                 </a:r>
                 <a:r>
-                  <a:rPr lang="en-US" dirty="0">
+                  <a:rPr lang="en-US" sz="2400" dirty="0">
                     <a:latin typeface="Palatino" pitchFamily="2" charset="77"/>
                     <a:ea typeface="Palatino" pitchFamily="2" charset="77"/>
                   </a:rPr>
@@ -5042,14 +5201,14 @@
                 <a14:m>
                   <m:oMath xmlns:m="http://schemas.openxmlformats.org/officeDocument/2006/math">
                     <m:r>
-                      <a:rPr lang="en-US" i="1">
+                      <a:rPr lang="en-US" sz="2400" i="1">
                         <a:latin typeface="Cambria Math" panose="02040503050406030204" pitchFamily="18" charset="0"/>
                         <a:ea typeface="Cambria Math" panose="02040503050406030204" pitchFamily="18" charset="0"/>
                       </a:rPr>
                       <m:t>𝛽</m:t>
                     </m:r>
                     <m:r>
-                      <a:rPr lang="en-US" baseline="-25000">
+                      <a:rPr lang="en-US" sz="2400" baseline="-25000">
                         <a:latin typeface="Cambria Math" panose="02040503050406030204" pitchFamily="18" charset="0"/>
                         <a:ea typeface="Cambria Math" panose="02040503050406030204" pitchFamily="18" charset="0"/>
                       </a:rPr>
@@ -5059,14 +5218,14 @@
                       <m:rPr>
                         <m:sty m:val="p"/>
                       </m:rPr>
-                      <a:rPr lang="en-US">
+                      <a:rPr lang="en-US" sz="2400">
                         <a:latin typeface="Cambria Math" panose="02040503050406030204" pitchFamily="18" charset="0"/>
                         <a:ea typeface="Cambria Math" panose="02040503050406030204" pitchFamily="18" charset="0"/>
                       </a:rPr>
                       <m:t>RRTD</m:t>
                     </m:r>
                     <m:r>
-                      <a:rPr lang="en-US">
+                      <a:rPr lang="en-US" sz="2400">
                         <a:latin typeface="Cambria Math" panose="02040503050406030204" pitchFamily="18" charset="0"/>
                         <a:ea typeface="Cambria Math" panose="02040503050406030204" pitchFamily="18" charset="0"/>
                       </a:rPr>
@@ -5075,7 +5234,7 @@
                   </m:oMath>
                 </a14:m>
                 <a:r>
-                  <a:rPr lang="en-US" dirty="0">
+                  <a:rPr lang="en-US" sz="2400" dirty="0">
                     <a:latin typeface="Palatino" pitchFamily="2" charset="77"/>
                     <a:ea typeface="Palatino" pitchFamily="2" charset="77"/>
                   </a:rPr>
@@ -5084,7 +5243,7 @@
                 <a14:m>
                   <m:oMath xmlns:m="http://schemas.openxmlformats.org/officeDocument/2006/math">
                     <m:r>
-                      <a:rPr lang="en-US" i="1">
+                      <a:rPr lang="en-US" sz="2400" i="1">
                         <a:latin typeface="Cambria Math" panose="02040503050406030204" pitchFamily="18" charset="0"/>
                         <a:ea typeface="Cambria Math" panose="02040503050406030204" pitchFamily="18" charset="0"/>
                       </a:rPr>
@@ -5093,28 +5252,28 @@
                   </m:oMath>
                 </a14:m>
                 <a:r>
-                  <a:rPr lang="en-US" baseline="-25000" dirty="0">
+                  <a:rPr lang="en-US" sz="2400" baseline="-25000" dirty="0">
                     <a:latin typeface="Palatino" pitchFamily="2" charset="77"/>
                     <a:ea typeface="Palatino" pitchFamily="2" charset="77"/>
                   </a:rPr>
                   <a:t>2</a:t>
                 </a:r>
                 <a:r>
-                  <a:rPr lang="en-US" dirty="0">
+                  <a:rPr lang="en-US" sz="2400" dirty="0">
                     <a:latin typeface="Palatino" pitchFamily="2" charset="77"/>
                     <a:ea typeface="Palatino" pitchFamily="2" charset="77"/>
                   </a:rPr>
                   <a:t> </a:t>
                 </a:r>
                 <a:r>
-                  <a:rPr lang="en-US" dirty="0" err="1">
+                  <a:rPr lang="en-US" sz="2400" dirty="0" err="1">
                     <a:latin typeface="Palatino" pitchFamily="2" charset="77"/>
                     <a:ea typeface="Palatino" pitchFamily="2" charset="77"/>
                   </a:rPr>
                   <a:t>YScm</a:t>
                 </a:r>
                 <a:r>
-                  <a:rPr lang="en-US" dirty="0">
+                  <a:rPr lang="en-US" sz="2400" dirty="0">
                     <a:latin typeface="Palatino" pitchFamily="2" charset="77"/>
                     <a:ea typeface="Palatino" pitchFamily="2" charset="77"/>
                   </a:rPr>
@@ -5123,7 +5282,7 @@
                 <a14:m>
                   <m:oMath xmlns:m="http://schemas.openxmlformats.org/officeDocument/2006/math">
                     <m:r>
-                      <a:rPr lang="en-US" i="1">
+                      <a:rPr lang="en-US" sz="2400" i="1">
                         <a:latin typeface="Cambria Math" panose="02040503050406030204" pitchFamily="18" charset="0"/>
                         <a:ea typeface="Cambria Math" panose="02040503050406030204" pitchFamily="18" charset="0"/>
                       </a:rPr>
@@ -5132,28 +5291,28 @@
                   </m:oMath>
                 </a14:m>
                 <a:r>
-                  <a:rPr lang="en-US" baseline="-25000" dirty="0">
+                  <a:rPr lang="en-US" sz="2400" baseline="-25000" dirty="0">
                     <a:latin typeface="Palatino" pitchFamily="2" charset="77"/>
                     <a:ea typeface="Palatino" pitchFamily="2" charset="77"/>
                   </a:rPr>
                   <a:t>3</a:t>
                 </a:r>
                 <a:r>
-                  <a:rPr lang="en-US" dirty="0">
+                  <a:rPr lang="en-US" sz="2400" dirty="0">
                     <a:latin typeface="Palatino" pitchFamily="2" charset="77"/>
                     <a:ea typeface="Palatino" pitchFamily="2" charset="77"/>
                   </a:rPr>
                   <a:t> </a:t>
                 </a:r>
                 <a:r>
-                  <a:rPr lang="en-US" dirty="0" err="1">
+                  <a:rPr lang="en-US" sz="2400" dirty="0" err="1">
                     <a:latin typeface="Palatino" pitchFamily="2" charset="77"/>
                     <a:ea typeface="Palatino" pitchFamily="2" charset="77"/>
                   </a:rPr>
                   <a:t>Fmb</a:t>
                 </a:r>
                 <a:r>
-                  <a:rPr lang="en-US" dirty="0">
+                  <a:rPr lang="en-US" sz="2400" dirty="0">
                     <a:latin typeface="Palatino" pitchFamily="2" charset="77"/>
                     <a:ea typeface="Palatino" pitchFamily="2" charset="77"/>
                   </a:rPr>
@@ -5162,7 +5321,7 @@
                 <a14:m>
                   <m:oMath xmlns:m="http://schemas.openxmlformats.org/officeDocument/2006/math">
                     <m:r>
-                      <a:rPr lang="en-US" i="1">
+                      <a:rPr lang="en-US" sz="2400" i="1">
                         <a:latin typeface="Cambria Math" panose="02040503050406030204" pitchFamily="18" charset="0"/>
                         <a:ea typeface="Cambria Math" panose="02040503050406030204" pitchFamily="18" charset="0"/>
                       </a:rPr>
@@ -5171,14 +5330,14 @@
                   </m:oMath>
                 </a14:m>
                 <a:r>
-                  <a:rPr lang="en-US" baseline="-25000" dirty="0">
+                  <a:rPr lang="en-US" sz="2400" baseline="-25000" dirty="0">
                     <a:latin typeface="Palatino" pitchFamily="2" charset="77"/>
                     <a:ea typeface="Palatino" pitchFamily="2" charset="77"/>
                   </a:rPr>
                   <a:t>4</a:t>
                 </a:r>
                 <a:r>
-                  <a:rPr lang="en-US" dirty="0">
+                  <a:rPr lang="en-US" sz="2400" dirty="0">
                     <a:latin typeface="Palatino" pitchFamily="2" charset="77"/>
                     <a:ea typeface="Palatino" pitchFamily="2" charset="77"/>
                   </a:rPr>
@@ -5187,7 +5346,7 @@
                 <a14:m>
                   <m:oMath xmlns:m="http://schemas.openxmlformats.org/officeDocument/2006/math">
                     <m:r>
-                      <a:rPr lang="en-US" i="1">
+                      <a:rPr lang="en-US" sz="2400" i="1">
                         <a:latin typeface="Cambria Math" panose="02040503050406030204" pitchFamily="18" charset="0"/>
                         <a:ea typeface="Cambria Math" panose="02040503050406030204" pitchFamily="18" charset="0"/>
                       </a:rPr>
@@ -5196,14 +5355,14 @@
                   </m:oMath>
                 </a14:m>
                 <a:r>
-                  <a:rPr lang="en-US" baseline="-25000" dirty="0">
+                  <a:rPr lang="en-US" sz="2400" baseline="-25000" dirty="0">
                     <a:latin typeface="Palatino" pitchFamily="2" charset="77"/>
                     <a:ea typeface="Palatino" pitchFamily="2" charset="77"/>
                   </a:rPr>
                   <a:t>5</a:t>
                 </a:r>
                 <a:r>
-                  <a:rPr lang="en-US" dirty="0">
+                  <a:rPr lang="en-US" sz="2400" dirty="0">
                     <a:latin typeface="Palatino" pitchFamily="2" charset="77"/>
                     <a:ea typeface="Palatino" pitchFamily="2" charset="77"/>
                   </a:rPr>
@@ -5212,7 +5371,7 @@
                 <a14:m>
                   <m:oMath xmlns:m="http://schemas.openxmlformats.org/officeDocument/2006/math">
                     <m:r>
-                      <a:rPr lang="en-US" i="1">
+                      <a:rPr lang="en-US" sz="2400" i="1">
                         <a:latin typeface="Cambria Math" panose="02040503050406030204" pitchFamily="18" charset="0"/>
                         <a:ea typeface="Cambria Math" panose="02040503050406030204" pitchFamily="18" charset="0"/>
                       </a:rPr>
@@ -5221,32 +5380,38 @@
                   </m:oMath>
                 </a14:m>
                 <a:r>
-                  <a:rPr lang="en-US" baseline="-25000" dirty="0">
+                  <a:rPr lang="en-US" sz="2400" baseline="-25000" dirty="0">
                     <a:latin typeface="Palatino" pitchFamily="2" charset="77"/>
                     <a:ea typeface="Palatino" pitchFamily="2" charset="77"/>
                   </a:rPr>
                   <a:t>6</a:t>
                 </a:r>
                 <a:r>
-                  <a:rPr lang="en-US" dirty="0">
+                  <a:rPr lang="en-US" sz="2400" dirty="0">
                     <a:latin typeface="Palatino" pitchFamily="2" charset="77"/>
                     <a:ea typeface="Palatino" pitchFamily="2" charset="77"/>
                   </a:rPr>
-                  <a:t> Touch  </a:t>
+                  <a:t> Touch </a:t>
                 </a:r>
-              </a:p>
-              <a:p>
-                <a:endParaRPr lang="en-US" dirty="0">
-                  <a:latin typeface="Palatino" pitchFamily="2" charset="77"/>
-                  <a:ea typeface="Palatino" pitchFamily="2" charset="77"/>
-                </a:endParaRPr>
               </a:p>
               <a:p>
                 <a:pPr marL="0" indent="0">
                   <a:buNone/>
                 </a:pPr>
                 <a:r>
-                  <a:rPr lang="en-US" u="sng" dirty="0">
+                  <a:rPr lang="en-US" sz="2400" dirty="0">
+                    <a:latin typeface="Palatino" pitchFamily="2" charset="77"/>
+                    <a:ea typeface="Palatino" pitchFamily="2" charset="77"/>
+                  </a:rPr>
+                  <a:t> </a:t>
+                </a:r>
+              </a:p>
+              <a:p>
+                <a:pPr marL="0" indent="0">
+                  <a:buNone/>
+                </a:pPr>
+                <a:r>
+                  <a:rPr lang="en-US" sz="2800" u="sng" dirty="0">
                     <a:latin typeface="Palatino" pitchFamily="2" charset="77"/>
                     <a:ea typeface="Palatino" pitchFamily="2" charset="77"/>
                   </a:rPr>
@@ -5258,21 +5423,21 @@
                   <a:buNone/>
                 </a:pPr>
                 <a:r>
-                  <a:rPr lang="en-US" dirty="0">
+                  <a:rPr lang="en-US" sz="2800" dirty="0">
                     <a:latin typeface="Palatino" pitchFamily="2" charset="77"/>
                     <a:ea typeface="Palatino" pitchFamily="2" charset="77"/>
                   </a:rPr>
                   <a:t>	</a:t>
                 </a:r>
                 <a:r>
-                  <a:rPr lang="en-US" dirty="0" err="1">
+                  <a:rPr lang="en-US" sz="2800" dirty="0" err="1">
                     <a:latin typeface="Palatino" pitchFamily="2" charset="77"/>
                     <a:ea typeface="Palatino" pitchFamily="2" charset="77"/>
                   </a:rPr>
                   <a:t>ProBowl</a:t>
                 </a:r>
                 <a:r>
-                  <a:rPr lang="en-US" dirty="0">
+                  <a:rPr lang="en-US" sz="2800" dirty="0">
                     <a:latin typeface="Palatino" pitchFamily="2" charset="77"/>
                     <a:ea typeface="Palatino" pitchFamily="2" charset="77"/>
                   </a:rPr>
@@ -5281,14 +5446,14 @@
                 <a14:m>
                   <m:oMath xmlns:m="http://schemas.openxmlformats.org/officeDocument/2006/math">
                     <m:r>
-                      <a:rPr lang="en-US" i="1" smtClean="0">
+                      <a:rPr lang="en-US" sz="2800" i="1" smtClean="0">
                         <a:latin typeface="Cambria Math" panose="02040503050406030204" pitchFamily="18" charset="0"/>
                         <a:ea typeface="Cambria Math" panose="02040503050406030204" pitchFamily="18" charset="0"/>
                       </a:rPr>
                       <m:t>∈</m:t>
                     </m:r>
                     <m:r>
-                      <a:rPr lang="en-US" b="0" i="1" smtClean="0">
+                      <a:rPr lang="en-US" sz="2800" b="0" i="1" smtClean="0">
                         <a:latin typeface="Cambria Math" panose="02040503050406030204" pitchFamily="18" charset="0"/>
                         <a:ea typeface="Cambria Math" panose="02040503050406030204" pitchFamily="18" charset="0"/>
                       </a:rPr>
@@ -5296,7 +5461,7 @@
                     </m:r>
                   </m:oMath>
                 </a14:m>
-                <a:endParaRPr lang="en-US" dirty="0">
+                <a:endParaRPr lang="en-US" sz="2800" dirty="0">
                   <a:latin typeface="Palatino" pitchFamily="2" charset="77"/>
                   <a:ea typeface="Palatino" pitchFamily="2" charset="77"/>
                 </a:endParaRPr>
@@ -5322,10 +5487,14 @@
               </p:nvPr>
             </p:nvSpPr>
             <p:spPr>
+              <a:xfrm>
+                <a:off x="1130270" y="2171768"/>
+                <a:ext cx="9603275" cy="3732907"/>
+              </a:xfrm>
               <a:blipFill>
                 <a:blip r:embed="rId2"/>
                 <a:stretch>
-                  <a:fillRect l="-528"/>
+                  <a:fillRect l="-1321" b="-2034"/>
                 </a:stretch>
               </a:blipFill>
             </p:spPr>
@@ -5379,6 +5548,658 @@
           <p:cNvPr id="2" name="Title 1">
             <a:extLst>
               <a:ext uri="{FF2B5EF4-FFF2-40B4-BE49-F238E27FC236}">
+                <a16:creationId xmlns:a16="http://schemas.microsoft.com/office/drawing/2014/main" id="{4D14D681-B337-B442-9635-4FAAE11B8815}"/>
+              </a:ext>
+            </a:extLst>
+          </p:cNvPr>
+          <p:cNvSpPr>
+            <a:spLocks noGrp="1"/>
+          </p:cNvSpPr>
+          <p:nvPr>
+            <p:ph type="title"/>
+          </p:nvPr>
+        </p:nvSpPr>
+        <p:spPr/>
+        <p:txBody>
+          <a:bodyPr>
+            <a:normAutofit/>
+          </a:bodyPr>
+          <a:lstStyle/>
+          <a:p>
+            <a:endParaRPr lang="en-US" dirty="0"/>
+          </a:p>
+        </p:txBody>
+      </p:sp>
+      <p:sp>
+        <p:nvSpPr>
+          <p:cNvPr id="7" name="Content Placeholder 6">
+            <a:extLst>
+              <a:ext uri="{FF2B5EF4-FFF2-40B4-BE49-F238E27FC236}">
+                <a16:creationId xmlns:a16="http://schemas.microsoft.com/office/drawing/2014/main" id="{85531CB5-F7BD-D048-BD8E-D2547FF9C4D6}"/>
+              </a:ext>
+            </a:extLst>
+          </p:cNvPr>
+          <p:cNvSpPr>
+            <a:spLocks noGrp="1"/>
+          </p:cNvSpPr>
+          <p:nvPr>
+            <p:ph idx="1"/>
+          </p:nvPr>
+        </p:nvSpPr>
+        <p:spPr/>
+        <p:txBody>
+          <a:bodyPr/>
+          <a:lstStyle/>
+          <a:p>
+            <a:endParaRPr lang="en-US"/>
+          </a:p>
+        </p:txBody>
+      </p:sp>
+      <p:pic>
+        <p:nvPicPr>
+          <p:cNvPr id="8" name="Picture 7">
+            <a:extLst>
+              <a:ext uri="{FF2B5EF4-FFF2-40B4-BE49-F238E27FC236}">
+                <a16:creationId xmlns:a16="http://schemas.microsoft.com/office/drawing/2014/main" id="{A6AD7B8B-18A2-F14C-AE0A-0ABC0F1E5584}"/>
+              </a:ext>
+            </a:extLst>
+          </p:cNvPr>
+          <p:cNvPicPr>
+            <a:picLocks noChangeAspect="1"/>
+          </p:cNvPicPr>
+          <p:nvPr/>
+        </p:nvPicPr>
+        <p:blipFill>
+          <a:blip r:embed="rId3"/>
+          <a:stretch>
+            <a:fillRect/>
+          </a:stretch>
+        </p:blipFill>
+        <p:spPr>
+          <a:xfrm>
+            <a:off x="1981200" y="920750"/>
+            <a:ext cx="8229600" cy="5016500"/>
+          </a:xfrm>
+          <a:prstGeom prst="rect">
+            <a:avLst/>
+          </a:prstGeom>
+        </p:spPr>
+      </p:pic>
+    </p:spTree>
+    <p:extLst>
+      <p:ext uri="{BB962C8B-B14F-4D97-AF65-F5344CB8AC3E}">
+        <p14:creationId xmlns:p14="http://schemas.microsoft.com/office/powerpoint/2010/main" val="2789495701"/>
+      </p:ext>
+    </p:extLst>
+  </p:cSld>
+  <p:clrMapOvr>
+    <a:masterClrMapping/>
+  </p:clrMapOvr>
+</p:sld>
+</file>
+
+<file path=ppt/slides/slide13.xml><?xml version="1.0" encoding="utf-8"?>
+<p:sld xmlns:a="http://schemas.openxmlformats.org/drawingml/2006/main" xmlns:r="http://schemas.openxmlformats.org/officeDocument/2006/relationships" xmlns:p="http://schemas.openxmlformats.org/presentationml/2006/main">
+  <p:cSld>
+    <p:spTree>
+      <p:nvGrpSpPr>
+        <p:cNvPr id="1" name=""/>
+        <p:cNvGrpSpPr/>
+        <p:nvPr/>
+      </p:nvGrpSpPr>
+      <p:grpSpPr>
+        <a:xfrm>
+          <a:off x="0" y="0"/>
+          <a:ext cx="0" cy="0"/>
+          <a:chOff x="0" y="0"/>
+          <a:chExt cx="0" cy="0"/>
+        </a:xfrm>
+      </p:grpSpPr>
+      <p:sp>
+        <p:nvSpPr>
+          <p:cNvPr id="2" name="Title 1">
+            <a:extLst>
+              <a:ext uri="{FF2B5EF4-FFF2-40B4-BE49-F238E27FC236}">
+                <a16:creationId xmlns:a16="http://schemas.microsoft.com/office/drawing/2014/main" id="{C39A6595-2264-1548-B874-81FAD4655E95}"/>
+              </a:ext>
+            </a:extLst>
+          </p:cNvPr>
+          <p:cNvSpPr>
+            <a:spLocks noGrp="1"/>
+          </p:cNvSpPr>
+          <p:nvPr>
+            <p:ph type="title"/>
+          </p:nvPr>
+        </p:nvSpPr>
+        <p:spPr/>
+        <p:txBody>
+          <a:bodyPr/>
+          <a:lstStyle/>
+          <a:p>
+            <a:r>
+              <a:rPr lang="en-US" dirty="0">
+                <a:latin typeface="Palatino" pitchFamily="2" charset="77"/>
+                <a:ea typeface="Palatino" pitchFamily="2" charset="77"/>
+              </a:rPr>
+              <a:t>Conclusion</a:t>
+            </a:r>
+          </a:p>
+        </p:txBody>
+      </p:sp>
+      <p:sp>
+        <p:nvSpPr>
+          <p:cNvPr id="3" name="Content Placeholder 2">
+            <a:extLst>
+              <a:ext uri="{FF2B5EF4-FFF2-40B4-BE49-F238E27FC236}">
+                <a16:creationId xmlns:a16="http://schemas.microsoft.com/office/drawing/2014/main" id="{049BB13C-B762-9B4A-82A7-5B218EBC07D6}"/>
+              </a:ext>
+            </a:extLst>
+          </p:cNvPr>
+          <p:cNvSpPr>
+            <a:spLocks noGrp="1"/>
+          </p:cNvSpPr>
+          <p:nvPr>
+            <p:ph idx="1"/>
+          </p:nvPr>
+        </p:nvSpPr>
+        <p:spPr/>
+        <p:txBody>
+          <a:bodyPr>
+            <a:normAutofit/>
+          </a:bodyPr>
+          <a:lstStyle/>
+          <a:p>
+            <a:r>
+              <a:rPr lang="en-US" sz="2400" dirty="0">
+                <a:latin typeface="Palatino" pitchFamily="2" charset="77"/>
+                <a:ea typeface="Palatino" pitchFamily="2" charset="77"/>
+              </a:rPr>
+              <a:t>Logit </a:t>
+            </a:r>
+            <a:r>
+              <a:rPr lang="en-US" sz="2800" dirty="0">
+                <a:latin typeface="Palatino" pitchFamily="2" charset="77"/>
+                <a:ea typeface="Palatino" pitchFamily="2" charset="77"/>
+              </a:rPr>
+              <a:t>is a better model to estimate whether a player voted into the </a:t>
+            </a:r>
+            <a:r>
+              <a:rPr lang="en-US" sz="2800" dirty="0" err="1">
+                <a:latin typeface="Palatino" pitchFamily="2" charset="77"/>
+                <a:ea typeface="Palatino" pitchFamily="2" charset="77"/>
+              </a:rPr>
+              <a:t>ProBowl</a:t>
+            </a:r>
+            <a:r>
+              <a:rPr lang="en-US" sz="2800" dirty="0">
+                <a:latin typeface="Palatino" pitchFamily="2" charset="77"/>
+                <a:ea typeface="Palatino" pitchFamily="2" charset="77"/>
+              </a:rPr>
+              <a:t> deserves to be there or not</a:t>
+            </a:r>
+          </a:p>
+          <a:p>
+            <a:r>
+              <a:rPr lang="en-US" sz="2800" dirty="0">
+                <a:latin typeface="Palatino" pitchFamily="2" charset="77"/>
+                <a:ea typeface="Palatino" pitchFamily="2" charset="77"/>
+              </a:rPr>
+              <a:t> Still have issues with class imbalance</a:t>
+            </a:r>
+          </a:p>
+          <a:p>
+            <a:endParaRPr lang="en-US" sz="2800" dirty="0">
+              <a:latin typeface="Palatino" pitchFamily="2" charset="77"/>
+              <a:ea typeface="Palatino" pitchFamily="2" charset="77"/>
+            </a:endParaRPr>
+          </a:p>
+          <a:p>
+            <a:r>
+              <a:rPr lang="en-US" sz="2800" dirty="0">
+                <a:latin typeface="Palatino" pitchFamily="2" charset="77"/>
+                <a:ea typeface="Palatino" pitchFamily="2" charset="77"/>
+              </a:rPr>
+              <a:t>Future Research: </a:t>
+            </a:r>
+            <a:r>
+              <a:rPr lang="en-US" sz="2800" b="1" dirty="0">
+                <a:latin typeface="Palatino" pitchFamily="2" charset="77"/>
+                <a:ea typeface="Palatino" pitchFamily="2" charset="77"/>
+              </a:rPr>
+              <a:t>Poisson Regression</a:t>
+            </a:r>
+          </a:p>
+        </p:txBody>
+      </p:sp>
+    </p:spTree>
+    <p:extLst>
+      <p:ext uri="{BB962C8B-B14F-4D97-AF65-F5344CB8AC3E}">
+        <p14:creationId xmlns:p14="http://schemas.microsoft.com/office/powerpoint/2010/main" val="351987769"/>
+      </p:ext>
+    </p:extLst>
+  </p:cSld>
+  <p:clrMapOvr>
+    <a:masterClrMapping/>
+  </p:clrMapOvr>
+</p:sld>
+</file>
+
+<file path=ppt/slides/slide14.xml><?xml version="1.0" encoding="utf-8"?>
+<p:sld xmlns:a="http://schemas.openxmlformats.org/drawingml/2006/main" xmlns:r="http://schemas.openxmlformats.org/officeDocument/2006/relationships" xmlns:p="http://schemas.openxmlformats.org/presentationml/2006/main">
+  <p:cSld>
+    <p:spTree>
+      <p:nvGrpSpPr>
+        <p:cNvPr id="1" name=""/>
+        <p:cNvGrpSpPr/>
+        <p:nvPr/>
+      </p:nvGrpSpPr>
+      <p:grpSpPr>
+        <a:xfrm>
+          <a:off x="0" y="0"/>
+          <a:ext cx="0" cy="0"/>
+          <a:chOff x="0" y="0"/>
+          <a:chExt cx="0" cy="0"/>
+        </a:xfrm>
+      </p:grpSpPr>
+      <p:sp>
+        <p:nvSpPr>
+          <p:cNvPr id="2" name="Title 1">
+            <a:extLst>
+              <a:ext uri="{FF2B5EF4-FFF2-40B4-BE49-F238E27FC236}">
+                <a16:creationId xmlns:a16="http://schemas.microsoft.com/office/drawing/2014/main" id="{07972396-869E-FC48-930A-74297C21F428}"/>
+              </a:ext>
+            </a:extLst>
+          </p:cNvPr>
+          <p:cNvSpPr>
+            <a:spLocks noGrp="1"/>
+          </p:cNvSpPr>
+          <p:nvPr>
+            <p:ph type="title"/>
+          </p:nvPr>
+        </p:nvSpPr>
+        <p:spPr/>
+        <p:txBody>
+          <a:bodyPr>
+            <a:normAutofit/>
+          </a:bodyPr>
+          <a:lstStyle/>
+          <a:p>
+            <a:r>
+              <a:rPr lang="en-US" sz="5400" u="sng" dirty="0">
+                <a:latin typeface="Palatino" pitchFamily="2" charset="77"/>
+                <a:ea typeface="Palatino" pitchFamily="2" charset="77"/>
+              </a:rPr>
+              <a:t>Thank You</a:t>
+            </a:r>
+          </a:p>
+        </p:txBody>
+      </p:sp>
+      <p:sp>
+        <p:nvSpPr>
+          <p:cNvPr id="3" name="Content Placeholder 2">
+            <a:extLst>
+              <a:ext uri="{FF2B5EF4-FFF2-40B4-BE49-F238E27FC236}">
+                <a16:creationId xmlns:a16="http://schemas.microsoft.com/office/drawing/2014/main" id="{AE534D5E-C40C-A848-BEA4-EE70A5F1C3D3}"/>
+              </a:ext>
+            </a:extLst>
+          </p:cNvPr>
+          <p:cNvSpPr>
+            <a:spLocks noGrp="1"/>
+          </p:cNvSpPr>
+          <p:nvPr>
+            <p:ph idx="1"/>
+          </p:nvPr>
+        </p:nvSpPr>
+        <p:spPr/>
+        <p:txBody>
+          <a:bodyPr>
+            <a:normAutofit lnSpcReduction="10000"/>
+          </a:bodyPr>
+          <a:lstStyle/>
+          <a:p>
+            <a:pPr marL="0" indent="0">
+              <a:buNone/>
+            </a:pPr>
+            <a:endParaRPr lang="en-US" dirty="0"/>
+          </a:p>
+          <a:p>
+            <a:pPr marL="0" indent="0">
+              <a:buNone/>
+            </a:pPr>
+            <a:endParaRPr lang="en-US" dirty="0"/>
+          </a:p>
+          <a:p>
+            <a:pPr marL="0" indent="0">
+              <a:buNone/>
+            </a:pPr>
+            <a:endParaRPr lang="en-US" dirty="0"/>
+          </a:p>
+          <a:p>
+            <a:pPr marL="0" indent="0">
+              <a:buNone/>
+            </a:pPr>
+            <a:endParaRPr lang="en-US" dirty="0"/>
+          </a:p>
+          <a:p>
+            <a:pPr marL="0" indent="0">
+              <a:buNone/>
+            </a:pPr>
+            <a:r>
+              <a:rPr lang="en-US" sz="3600" dirty="0">
+                <a:latin typeface="Palatino" pitchFamily="2" charset="77"/>
+                <a:ea typeface="Palatino" pitchFamily="2" charset="77"/>
+              </a:rPr>
+              <a:t>Alex Lou</a:t>
+            </a:r>
+          </a:p>
+          <a:p>
+            <a:pPr marL="0" indent="0">
+              <a:buNone/>
+            </a:pPr>
+            <a:r>
+              <a:rPr lang="en-US" sz="3600" dirty="0">
+                <a:latin typeface="Palatino" pitchFamily="2" charset="77"/>
+                <a:ea typeface="Palatino" pitchFamily="2" charset="77"/>
+              </a:rPr>
+              <a:t>d.alexlou17@gmail.com</a:t>
+            </a:r>
+          </a:p>
+        </p:txBody>
+      </p:sp>
+      <p:pic>
+        <p:nvPicPr>
+          <p:cNvPr id="6" name="Picture 5">
+            <a:extLst>
+              <a:ext uri="{FF2B5EF4-FFF2-40B4-BE49-F238E27FC236}">
+                <a16:creationId xmlns:a16="http://schemas.microsoft.com/office/drawing/2014/main" id="{30D929CE-17ED-914D-BDD6-E034920658FF}"/>
+              </a:ext>
+            </a:extLst>
+          </p:cNvPr>
+          <p:cNvPicPr>
+            <a:picLocks noChangeAspect="1"/>
+          </p:cNvPicPr>
+          <p:nvPr/>
+        </p:nvPicPr>
+        <p:blipFill>
+          <a:blip r:embed="rId2"/>
+          <a:stretch>
+            <a:fillRect/>
+          </a:stretch>
+        </p:blipFill>
+        <p:spPr>
+          <a:xfrm>
+            <a:off x="6096000" y="2201983"/>
+            <a:ext cx="4637545" cy="2454034"/>
+          </a:xfrm>
+          <a:prstGeom prst="rect">
+            <a:avLst/>
+          </a:prstGeom>
+        </p:spPr>
+      </p:pic>
+    </p:spTree>
+    <p:extLst>
+      <p:ext uri="{BB962C8B-B14F-4D97-AF65-F5344CB8AC3E}">
+        <p14:creationId xmlns:p14="http://schemas.microsoft.com/office/powerpoint/2010/main" val="524664813"/>
+      </p:ext>
+    </p:extLst>
+  </p:cSld>
+  <p:clrMapOvr>
+    <a:masterClrMapping/>
+  </p:clrMapOvr>
+</p:sld>
+</file>
+
+<file path=ppt/slides/slide15.xml><?xml version="1.0" encoding="utf-8"?>
+<p:sld xmlns:a="http://schemas.openxmlformats.org/drawingml/2006/main" xmlns:r="http://schemas.openxmlformats.org/officeDocument/2006/relationships" xmlns:p="http://schemas.openxmlformats.org/presentationml/2006/main">
+  <p:cSld>
+    <p:spTree>
+      <p:nvGrpSpPr>
+        <p:cNvPr id="1" name=""/>
+        <p:cNvGrpSpPr/>
+        <p:nvPr/>
+      </p:nvGrpSpPr>
+      <p:grpSpPr>
+        <a:xfrm>
+          <a:off x="0" y="0"/>
+          <a:ext cx="0" cy="0"/>
+          <a:chOff x="0" y="0"/>
+          <a:chExt cx="0" cy="0"/>
+        </a:xfrm>
+      </p:grpSpPr>
+      <p:sp>
+        <p:nvSpPr>
+          <p:cNvPr id="2" name="Title 1">
+            <a:extLst>
+              <a:ext uri="{FF2B5EF4-FFF2-40B4-BE49-F238E27FC236}">
+                <a16:creationId xmlns:a16="http://schemas.microsoft.com/office/drawing/2014/main" id="{DDC46745-ECDA-4C4D-992F-55E2F61E4FBE}"/>
+              </a:ext>
+            </a:extLst>
+          </p:cNvPr>
+          <p:cNvSpPr>
+            <a:spLocks noGrp="1"/>
+          </p:cNvSpPr>
+          <p:nvPr>
+            <p:ph type="title"/>
+          </p:nvPr>
+        </p:nvSpPr>
+        <p:spPr/>
+        <p:txBody>
+          <a:bodyPr/>
+          <a:lstStyle/>
+          <a:p>
+            <a:r>
+              <a:rPr lang="en-US" dirty="0">
+                <a:latin typeface="Palatino" pitchFamily="2" charset="77"/>
+                <a:ea typeface="Palatino" pitchFamily="2" charset="77"/>
+              </a:rPr>
+              <a:t>Appendix: OLS</a:t>
+            </a:r>
+          </a:p>
+        </p:txBody>
+      </p:sp>
+      <p:sp>
+        <p:nvSpPr>
+          <p:cNvPr id="16" name="Content Placeholder 15">
+            <a:extLst>
+              <a:ext uri="{FF2B5EF4-FFF2-40B4-BE49-F238E27FC236}">
+                <a16:creationId xmlns:a16="http://schemas.microsoft.com/office/drawing/2014/main" id="{54712F69-4CCE-E94C-B9F8-79E1099241C4}"/>
+              </a:ext>
+            </a:extLst>
+          </p:cNvPr>
+          <p:cNvSpPr>
+            <a:spLocks noGrp="1"/>
+          </p:cNvSpPr>
+          <p:nvPr>
+            <p:ph idx="1"/>
+          </p:nvPr>
+        </p:nvSpPr>
+        <p:spPr/>
+        <p:txBody>
+          <a:bodyPr/>
+          <a:lstStyle/>
+          <a:p>
+            <a:endParaRPr lang="en-US"/>
+          </a:p>
+        </p:txBody>
+      </p:sp>
+      <p:pic>
+        <p:nvPicPr>
+          <p:cNvPr id="17" name="Picture 16">
+            <a:extLst>
+              <a:ext uri="{FF2B5EF4-FFF2-40B4-BE49-F238E27FC236}">
+                <a16:creationId xmlns:a16="http://schemas.microsoft.com/office/drawing/2014/main" id="{871C2289-18E8-A14A-AAA3-C365AAC8B958}"/>
+              </a:ext>
+            </a:extLst>
+          </p:cNvPr>
+          <p:cNvPicPr>
+            <a:picLocks noChangeAspect="1"/>
+          </p:cNvPicPr>
+          <p:nvPr/>
+        </p:nvPicPr>
+        <p:blipFill>
+          <a:blip r:embed="rId2"/>
+          <a:stretch>
+            <a:fillRect/>
+          </a:stretch>
+        </p:blipFill>
+        <p:spPr>
+          <a:xfrm>
+            <a:off x="2462088" y="2171769"/>
+            <a:ext cx="6939637" cy="3294575"/>
+          </a:xfrm>
+          <a:prstGeom prst="rect">
+            <a:avLst/>
+          </a:prstGeom>
+        </p:spPr>
+      </p:pic>
+    </p:spTree>
+    <p:extLst>
+      <p:ext uri="{BB962C8B-B14F-4D97-AF65-F5344CB8AC3E}">
+        <p14:creationId xmlns:p14="http://schemas.microsoft.com/office/powerpoint/2010/main" val="3547172425"/>
+      </p:ext>
+    </p:extLst>
+  </p:cSld>
+  <p:clrMapOvr>
+    <a:masterClrMapping/>
+  </p:clrMapOvr>
+</p:sld>
+</file>
+
+<file path=ppt/slides/slide16.xml><?xml version="1.0" encoding="utf-8"?>
+<p:sld xmlns:a="http://schemas.openxmlformats.org/drawingml/2006/main" xmlns:r="http://schemas.openxmlformats.org/officeDocument/2006/relationships" xmlns:p="http://schemas.openxmlformats.org/presentationml/2006/main">
+  <p:cSld>
+    <p:spTree>
+      <p:nvGrpSpPr>
+        <p:cNvPr id="1" name=""/>
+        <p:cNvGrpSpPr/>
+        <p:nvPr/>
+      </p:nvGrpSpPr>
+      <p:grpSpPr>
+        <a:xfrm>
+          <a:off x="0" y="0"/>
+          <a:ext cx="0" cy="0"/>
+          <a:chOff x="0" y="0"/>
+          <a:chExt cx="0" cy="0"/>
+        </a:xfrm>
+      </p:grpSpPr>
+      <p:sp>
+        <p:nvSpPr>
+          <p:cNvPr id="2" name="Title 1">
+            <a:extLst>
+              <a:ext uri="{FF2B5EF4-FFF2-40B4-BE49-F238E27FC236}">
+                <a16:creationId xmlns:a16="http://schemas.microsoft.com/office/drawing/2014/main" id="{563C3169-EEC8-1547-81A2-E1FE6F587D89}"/>
+              </a:ext>
+            </a:extLst>
+          </p:cNvPr>
+          <p:cNvSpPr>
+            <a:spLocks noGrp="1"/>
+          </p:cNvSpPr>
+          <p:nvPr>
+            <p:ph type="title"/>
+          </p:nvPr>
+        </p:nvSpPr>
+        <p:spPr/>
+        <p:txBody>
+          <a:bodyPr/>
+          <a:lstStyle/>
+          <a:p>
+            <a:r>
+              <a:rPr lang="en-US" dirty="0"/>
+              <a:t>Appendix: Logit</a:t>
+            </a:r>
+          </a:p>
+        </p:txBody>
+      </p:sp>
+      <p:sp>
+        <p:nvSpPr>
+          <p:cNvPr id="3" name="Content Placeholder 2">
+            <a:extLst>
+              <a:ext uri="{FF2B5EF4-FFF2-40B4-BE49-F238E27FC236}">
+                <a16:creationId xmlns:a16="http://schemas.microsoft.com/office/drawing/2014/main" id="{35502203-E9C6-A740-8545-AE126DF85A2A}"/>
+              </a:ext>
+            </a:extLst>
+          </p:cNvPr>
+          <p:cNvSpPr>
+            <a:spLocks noGrp="1"/>
+          </p:cNvSpPr>
+          <p:nvPr>
+            <p:ph idx="1"/>
+          </p:nvPr>
+        </p:nvSpPr>
+        <p:spPr/>
+        <p:txBody>
+          <a:bodyPr/>
+          <a:lstStyle/>
+          <a:p>
+            <a:endParaRPr lang="en-US"/>
+          </a:p>
+        </p:txBody>
+      </p:sp>
+      <p:pic>
+        <p:nvPicPr>
+          <p:cNvPr id="4" name="Picture 3">
+            <a:extLst>
+              <a:ext uri="{FF2B5EF4-FFF2-40B4-BE49-F238E27FC236}">
+                <a16:creationId xmlns:a16="http://schemas.microsoft.com/office/drawing/2014/main" id="{957346F6-39F6-0449-8C6C-12E3226259EB}"/>
+              </a:ext>
+            </a:extLst>
+          </p:cNvPr>
+          <p:cNvPicPr>
+            <a:picLocks noChangeAspect="1"/>
+          </p:cNvPicPr>
+          <p:nvPr/>
+        </p:nvPicPr>
+        <p:blipFill>
+          <a:blip r:embed="rId3"/>
+          <a:stretch>
+            <a:fillRect/>
+          </a:stretch>
+        </p:blipFill>
+        <p:spPr>
+          <a:xfrm>
+            <a:off x="1431518" y="2171769"/>
+            <a:ext cx="9000778" cy="2735696"/>
+          </a:xfrm>
+          <a:prstGeom prst="rect">
+            <a:avLst/>
+          </a:prstGeom>
+        </p:spPr>
+      </p:pic>
+    </p:spTree>
+    <p:extLst>
+      <p:ext uri="{BB962C8B-B14F-4D97-AF65-F5344CB8AC3E}">
+        <p14:creationId xmlns:p14="http://schemas.microsoft.com/office/powerpoint/2010/main" val="1348459677"/>
+      </p:ext>
+    </p:extLst>
+  </p:cSld>
+  <p:clrMapOvr>
+    <a:masterClrMapping/>
+  </p:clrMapOvr>
+</p:sld>
+</file>
+
+<file path=ppt/slides/slide17.xml><?xml version="1.0" encoding="utf-8"?>
+<p:sld xmlns:a="http://schemas.openxmlformats.org/drawingml/2006/main" xmlns:r="http://schemas.openxmlformats.org/officeDocument/2006/relationships" xmlns:p="http://schemas.openxmlformats.org/presentationml/2006/main">
+  <p:cSld>
+    <p:spTree>
+      <p:nvGrpSpPr>
+        <p:cNvPr id="1" name=""/>
+        <p:cNvGrpSpPr/>
+        <p:nvPr/>
+      </p:nvGrpSpPr>
+      <p:grpSpPr>
+        <a:xfrm>
+          <a:off x="0" y="0"/>
+          <a:ext cx="0" cy="0"/>
+          <a:chOff x="0" y="0"/>
+          <a:chExt cx="0" cy="0"/>
+        </a:xfrm>
+      </p:grpSpPr>
+      <p:sp>
+        <p:nvSpPr>
+          <p:cNvPr id="2" name="Title 1">
+            <a:extLst>
+              <a:ext uri="{FF2B5EF4-FFF2-40B4-BE49-F238E27FC236}">
                 <a16:creationId xmlns:a16="http://schemas.microsoft.com/office/drawing/2014/main" id="{B396D06A-DABE-6D48-B8EA-B577BA6BE0F7}"/>
               </a:ext>
             </a:extLst>
@@ -5395,7 +6216,10 @@
           <a:bodyPr/>
           <a:lstStyle/>
           <a:p>
-            <a:endParaRPr lang="en-US"/>
+            <a:r>
+              <a:rPr lang="en-US" dirty="0"/>
+              <a:t>Appendix: Logit</a:t>
+            </a:r>
           </a:p>
         </p:txBody>
       </p:sp>
@@ -5470,537 +6294,6 @@
 </p:sld>
 </file>
 
-<file path=ppt/slides/slide13.xml><?xml version="1.0" encoding="utf-8"?>
-<p:sld xmlns:a="http://schemas.openxmlformats.org/drawingml/2006/main" xmlns:r="http://schemas.openxmlformats.org/officeDocument/2006/relationships" xmlns:p="http://schemas.openxmlformats.org/presentationml/2006/main">
-  <p:cSld>
-    <p:spTree>
-      <p:nvGrpSpPr>
-        <p:cNvPr id="1" name=""/>
-        <p:cNvGrpSpPr/>
-        <p:nvPr/>
-      </p:nvGrpSpPr>
-      <p:grpSpPr>
-        <a:xfrm>
-          <a:off x="0" y="0"/>
-          <a:ext cx="0" cy="0"/>
-          <a:chOff x="0" y="0"/>
-          <a:chExt cx="0" cy="0"/>
-        </a:xfrm>
-      </p:grpSpPr>
-      <p:sp>
-        <p:nvSpPr>
-          <p:cNvPr id="2" name="Title 1">
-            <a:extLst>
-              <a:ext uri="{FF2B5EF4-FFF2-40B4-BE49-F238E27FC236}">
-                <a16:creationId xmlns:a16="http://schemas.microsoft.com/office/drawing/2014/main" id="{563C3169-EEC8-1547-81A2-E1FE6F587D89}"/>
-              </a:ext>
-            </a:extLst>
-          </p:cNvPr>
-          <p:cNvSpPr>
-            <a:spLocks noGrp="1"/>
-          </p:cNvSpPr>
-          <p:nvPr>
-            <p:ph type="title"/>
-          </p:nvPr>
-        </p:nvSpPr>
-        <p:spPr/>
-        <p:txBody>
-          <a:bodyPr/>
-          <a:lstStyle/>
-          <a:p>
-            <a:endParaRPr lang="en-US"/>
-          </a:p>
-        </p:txBody>
-      </p:sp>
-      <p:sp>
-        <p:nvSpPr>
-          <p:cNvPr id="3" name="Content Placeholder 2">
-            <a:extLst>
-              <a:ext uri="{FF2B5EF4-FFF2-40B4-BE49-F238E27FC236}">
-                <a16:creationId xmlns:a16="http://schemas.microsoft.com/office/drawing/2014/main" id="{35502203-E9C6-A740-8545-AE126DF85A2A}"/>
-              </a:ext>
-            </a:extLst>
-          </p:cNvPr>
-          <p:cNvSpPr>
-            <a:spLocks noGrp="1"/>
-          </p:cNvSpPr>
-          <p:nvPr>
-            <p:ph idx="1"/>
-          </p:nvPr>
-        </p:nvSpPr>
-        <p:spPr/>
-        <p:txBody>
-          <a:bodyPr/>
-          <a:lstStyle/>
-          <a:p>
-            <a:endParaRPr lang="en-US"/>
-          </a:p>
-        </p:txBody>
-      </p:sp>
-      <p:pic>
-        <p:nvPicPr>
-          <p:cNvPr id="4" name="Picture 3">
-            <a:extLst>
-              <a:ext uri="{FF2B5EF4-FFF2-40B4-BE49-F238E27FC236}">
-                <a16:creationId xmlns:a16="http://schemas.microsoft.com/office/drawing/2014/main" id="{957346F6-39F6-0449-8C6C-12E3226259EB}"/>
-              </a:ext>
-            </a:extLst>
-          </p:cNvPr>
-          <p:cNvPicPr>
-            <a:picLocks noChangeAspect="1"/>
-          </p:cNvPicPr>
-          <p:nvPr/>
-        </p:nvPicPr>
-        <p:blipFill>
-          <a:blip r:embed="rId3"/>
-          <a:stretch>
-            <a:fillRect/>
-          </a:stretch>
-        </p:blipFill>
-        <p:spPr>
-          <a:xfrm>
-            <a:off x="1431518" y="1836305"/>
-            <a:ext cx="9000778" cy="2735696"/>
-          </a:xfrm>
-          <a:prstGeom prst="rect">
-            <a:avLst/>
-          </a:prstGeom>
-        </p:spPr>
-      </p:pic>
-    </p:spTree>
-    <p:extLst>
-      <p:ext uri="{BB962C8B-B14F-4D97-AF65-F5344CB8AC3E}">
-        <p14:creationId xmlns:p14="http://schemas.microsoft.com/office/powerpoint/2010/main" val="1348459677"/>
-      </p:ext>
-    </p:extLst>
-  </p:cSld>
-  <p:clrMapOvr>
-    <a:masterClrMapping/>
-  </p:clrMapOvr>
-</p:sld>
-</file>
-
-<file path=ppt/slides/slide14.xml><?xml version="1.0" encoding="utf-8"?>
-<p:sld xmlns:a="http://schemas.openxmlformats.org/drawingml/2006/main" xmlns:r="http://schemas.openxmlformats.org/officeDocument/2006/relationships" xmlns:p="http://schemas.openxmlformats.org/presentationml/2006/main">
-  <p:cSld>
-    <p:spTree>
-      <p:nvGrpSpPr>
-        <p:cNvPr id="1" name=""/>
-        <p:cNvGrpSpPr/>
-        <p:nvPr/>
-      </p:nvGrpSpPr>
-      <p:grpSpPr>
-        <a:xfrm>
-          <a:off x="0" y="0"/>
-          <a:ext cx="0" cy="0"/>
-          <a:chOff x="0" y="0"/>
-          <a:chExt cx="0" cy="0"/>
-        </a:xfrm>
-      </p:grpSpPr>
-      <p:sp>
-        <p:nvSpPr>
-          <p:cNvPr id="2" name="Title 1">
-            <a:extLst>
-              <a:ext uri="{FF2B5EF4-FFF2-40B4-BE49-F238E27FC236}">
-                <a16:creationId xmlns:a16="http://schemas.microsoft.com/office/drawing/2014/main" id="{4D14D681-B337-B442-9635-4FAAE11B8815}"/>
-              </a:ext>
-            </a:extLst>
-          </p:cNvPr>
-          <p:cNvSpPr>
-            <a:spLocks noGrp="1"/>
-          </p:cNvSpPr>
-          <p:nvPr>
-            <p:ph type="title"/>
-          </p:nvPr>
-        </p:nvSpPr>
-        <p:spPr/>
-        <p:txBody>
-          <a:bodyPr>
-            <a:normAutofit/>
-          </a:bodyPr>
-          <a:lstStyle/>
-          <a:p>
-            <a:endParaRPr lang="en-US" dirty="0"/>
-          </a:p>
-        </p:txBody>
-      </p:sp>
-      <p:sp>
-        <p:nvSpPr>
-          <p:cNvPr id="7" name="Content Placeholder 6">
-            <a:extLst>
-              <a:ext uri="{FF2B5EF4-FFF2-40B4-BE49-F238E27FC236}">
-                <a16:creationId xmlns:a16="http://schemas.microsoft.com/office/drawing/2014/main" id="{85531CB5-F7BD-D048-BD8E-D2547FF9C4D6}"/>
-              </a:ext>
-            </a:extLst>
-          </p:cNvPr>
-          <p:cNvSpPr>
-            <a:spLocks noGrp="1"/>
-          </p:cNvSpPr>
-          <p:nvPr>
-            <p:ph idx="1"/>
-          </p:nvPr>
-        </p:nvSpPr>
-        <p:spPr/>
-        <p:txBody>
-          <a:bodyPr/>
-          <a:lstStyle/>
-          <a:p>
-            <a:endParaRPr lang="en-US"/>
-          </a:p>
-        </p:txBody>
-      </p:sp>
-      <p:pic>
-        <p:nvPicPr>
-          <p:cNvPr id="8" name="Picture 7">
-            <a:extLst>
-              <a:ext uri="{FF2B5EF4-FFF2-40B4-BE49-F238E27FC236}">
-                <a16:creationId xmlns:a16="http://schemas.microsoft.com/office/drawing/2014/main" id="{A6AD7B8B-18A2-F14C-AE0A-0ABC0F1E5584}"/>
-              </a:ext>
-            </a:extLst>
-          </p:cNvPr>
-          <p:cNvPicPr>
-            <a:picLocks noChangeAspect="1"/>
-          </p:cNvPicPr>
-          <p:nvPr/>
-        </p:nvPicPr>
-        <p:blipFill>
-          <a:blip r:embed="rId3"/>
-          <a:stretch>
-            <a:fillRect/>
-          </a:stretch>
-        </p:blipFill>
-        <p:spPr>
-          <a:xfrm>
-            <a:off x="1981200" y="920750"/>
-            <a:ext cx="8229600" cy="5016500"/>
-          </a:xfrm>
-          <a:prstGeom prst="rect">
-            <a:avLst/>
-          </a:prstGeom>
-        </p:spPr>
-      </p:pic>
-    </p:spTree>
-    <p:extLst>
-      <p:ext uri="{BB962C8B-B14F-4D97-AF65-F5344CB8AC3E}">
-        <p14:creationId xmlns:p14="http://schemas.microsoft.com/office/powerpoint/2010/main" val="2789495701"/>
-      </p:ext>
-    </p:extLst>
-  </p:cSld>
-  <p:clrMapOvr>
-    <a:masterClrMapping/>
-  </p:clrMapOvr>
-</p:sld>
-</file>
-
-<file path=ppt/slides/slide15.xml><?xml version="1.0" encoding="utf-8"?>
-<p:sld xmlns:a="http://schemas.openxmlformats.org/drawingml/2006/main" xmlns:r="http://schemas.openxmlformats.org/officeDocument/2006/relationships" xmlns:p="http://schemas.openxmlformats.org/presentationml/2006/main">
-  <p:cSld>
-    <p:spTree>
-      <p:nvGrpSpPr>
-        <p:cNvPr id="1" name=""/>
-        <p:cNvGrpSpPr/>
-        <p:nvPr/>
-      </p:nvGrpSpPr>
-      <p:grpSpPr>
-        <a:xfrm>
-          <a:off x="0" y="0"/>
-          <a:ext cx="0" cy="0"/>
-          <a:chOff x="0" y="0"/>
-          <a:chExt cx="0" cy="0"/>
-        </a:xfrm>
-      </p:grpSpPr>
-      <p:sp>
-        <p:nvSpPr>
-          <p:cNvPr id="2" name="Title 1">
-            <a:extLst>
-              <a:ext uri="{FF2B5EF4-FFF2-40B4-BE49-F238E27FC236}">
-                <a16:creationId xmlns:a16="http://schemas.microsoft.com/office/drawing/2014/main" id="{C39A6595-2264-1548-B874-81FAD4655E95}"/>
-              </a:ext>
-            </a:extLst>
-          </p:cNvPr>
-          <p:cNvSpPr>
-            <a:spLocks noGrp="1"/>
-          </p:cNvSpPr>
-          <p:nvPr>
-            <p:ph type="title"/>
-          </p:nvPr>
-        </p:nvSpPr>
-        <p:spPr/>
-        <p:txBody>
-          <a:bodyPr/>
-          <a:lstStyle/>
-          <a:p>
-            <a:r>
-              <a:rPr lang="en-US" dirty="0">
-                <a:latin typeface="Palatino" pitchFamily="2" charset="77"/>
-                <a:ea typeface="Palatino" pitchFamily="2" charset="77"/>
-              </a:rPr>
-              <a:t>Conclusion</a:t>
-            </a:r>
-          </a:p>
-        </p:txBody>
-      </p:sp>
-      <p:sp>
-        <p:nvSpPr>
-          <p:cNvPr id="3" name="Content Placeholder 2">
-            <a:extLst>
-              <a:ext uri="{FF2B5EF4-FFF2-40B4-BE49-F238E27FC236}">
-                <a16:creationId xmlns:a16="http://schemas.microsoft.com/office/drawing/2014/main" id="{049BB13C-B762-9B4A-82A7-5B218EBC07D6}"/>
-              </a:ext>
-            </a:extLst>
-          </p:cNvPr>
-          <p:cNvSpPr>
-            <a:spLocks noGrp="1"/>
-          </p:cNvSpPr>
-          <p:nvPr>
-            <p:ph idx="1"/>
-          </p:nvPr>
-        </p:nvSpPr>
-        <p:spPr/>
-        <p:txBody>
-          <a:bodyPr>
-            <a:normAutofit/>
-          </a:bodyPr>
-          <a:lstStyle/>
-          <a:p>
-            <a:r>
-              <a:rPr lang="en-US" sz="2400" dirty="0">
-                <a:latin typeface="Palatino" pitchFamily="2" charset="77"/>
-                <a:ea typeface="Palatino" pitchFamily="2" charset="77"/>
-              </a:rPr>
-              <a:t>Logit </a:t>
-            </a:r>
-            <a:r>
-              <a:rPr lang="en-US" sz="2800" dirty="0">
-                <a:latin typeface="Palatino" pitchFamily="2" charset="77"/>
-                <a:ea typeface="Palatino" pitchFamily="2" charset="77"/>
-              </a:rPr>
-              <a:t>is a better model to estimate whether a player voted into the </a:t>
-            </a:r>
-            <a:r>
-              <a:rPr lang="en-US" sz="2800" dirty="0" err="1">
-                <a:latin typeface="Palatino" pitchFamily="2" charset="77"/>
-                <a:ea typeface="Palatino" pitchFamily="2" charset="77"/>
-              </a:rPr>
-              <a:t>ProBowl</a:t>
-            </a:r>
-            <a:r>
-              <a:rPr lang="en-US" sz="2800" dirty="0">
-                <a:latin typeface="Palatino" pitchFamily="2" charset="77"/>
-                <a:ea typeface="Palatino" pitchFamily="2" charset="77"/>
-              </a:rPr>
-              <a:t> deserves to be there or not</a:t>
-            </a:r>
-          </a:p>
-          <a:p>
-            <a:r>
-              <a:rPr lang="en-US" sz="2800" dirty="0">
-                <a:latin typeface="Palatino" pitchFamily="2" charset="77"/>
-                <a:ea typeface="Palatino" pitchFamily="2" charset="77"/>
-              </a:rPr>
-              <a:t> Still have issues with class imbalance</a:t>
-            </a:r>
-          </a:p>
-          <a:p>
-            <a:endParaRPr lang="en-US" sz="2800" dirty="0">
-              <a:latin typeface="Palatino" pitchFamily="2" charset="77"/>
-              <a:ea typeface="Palatino" pitchFamily="2" charset="77"/>
-            </a:endParaRPr>
-          </a:p>
-          <a:p>
-            <a:r>
-              <a:rPr lang="en-US" sz="2800" dirty="0">
-                <a:latin typeface="Palatino" pitchFamily="2" charset="77"/>
-                <a:ea typeface="Palatino" pitchFamily="2" charset="77"/>
-              </a:rPr>
-              <a:t>Future Research: </a:t>
-            </a:r>
-            <a:r>
-              <a:rPr lang="en-US" sz="2800" b="1" dirty="0">
-                <a:latin typeface="Palatino" pitchFamily="2" charset="77"/>
-                <a:ea typeface="Palatino" pitchFamily="2" charset="77"/>
-              </a:rPr>
-              <a:t>Poisson Regression</a:t>
-            </a:r>
-          </a:p>
-        </p:txBody>
-      </p:sp>
-    </p:spTree>
-    <p:extLst>
-      <p:ext uri="{BB962C8B-B14F-4D97-AF65-F5344CB8AC3E}">
-        <p14:creationId xmlns:p14="http://schemas.microsoft.com/office/powerpoint/2010/main" val="351987769"/>
-      </p:ext>
-    </p:extLst>
-  </p:cSld>
-  <p:clrMapOvr>
-    <a:masterClrMapping/>
-  </p:clrMapOvr>
-</p:sld>
-</file>
-
-<file path=ppt/slides/slide16.xml><?xml version="1.0" encoding="utf-8"?>
-<p:sld xmlns:a="http://schemas.openxmlformats.org/drawingml/2006/main" xmlns:r="http://schemas.openxmlformats.org/officeDocument/2006/relationships" xmlns:p="http://schemas.openxmlformats.org/presentationml/2006/main">
-  <p:cSld>
-    <p:spTree>
-      <p:nvGrpSpPr>
-        <p:cNvPr id="1" name=""/>
-        <p:cNvGrpSpPr/>
-        <p:nvPr/>
-      </p:nvGrpSpPr>
-      <p:grpSpPr>
-        <a:xfrm>
-          <a:off x="0" y="0"/>
-          <a:ext cx="0" cy="0"/>
-          <a:chOff x="0" y="0"/>
-          <a:chExt cx="0" cy="0"/>
-        </a:xfrm>
-      </p:grpSpPr>
-      <p:sp>
-        <p:nvSpPr>
-          <p:cNvPr id="2" name="Title 1">
-            <a:extLst>
-              <a:ext uri="{FF2B5EF4-FFF2-40B4-BE49-F238E27FC236}">
-                <a16:creationId xmlns:a16="http://schemas.microsoft.com/office/drawing/2014/main" id="{07972396-869E-FC48-930A-74297C21F428}"/>
-              </a:ext>
-            </a:extLst>
-          </p:cNvPr>
-          <p:cNvSpPr>
-            <a:spLocks noGrp="1"/>
-          </p:cNvSpPr>
-          <p:nvPr>
-            <p:ph type="title"/>
-          </p:nvPr>
-        </p:nvSpPr>
-        <p:spPr/>
-        <p:txBody>
-          <a:bodyPr>
-            <a:normAutofit/>
-          </a:bodyPr>
-          <a:lstStyle/>
-          <a:p>
-            <a:r>
-              <a:rPr lang="en-US" sz="5400" u="sng" dirty="0">
-                <a:latin typeface="Palatino" pitchFamily="2" charset="77"/>
-                <a:ea typeface="Palatino" pitchFamily="2" charset="77"/>
-              </a:rPr>
-              <a:t>Thank You</a:t>
-            </a:r>
-          </a:p>
-        </p:txBody>
-      </p:sp>
-      <p:sp>
-        <p:nvSpPr>
-          <p:cNvPr id="3" name="Content Placeholder 2">
-            <a:extLst>
-              <a:ext uri="{FF2B5EF4-FFF2-40B4-BE49-F238E27FC236}">
-                <a16:creationId xmlns:a16="http://schemas.microsoft.com/office/drawing/2014/main" id="{AE534D5E-C40C-A848-BEA4-EE70A5F1C3D3}"/>
-              </a:ext>
-            </a:extLst>
-          </p:cNvPr>
-          <p:cNvSpPr>
-            <a:spLocks noGrp="1"/>
-          </p:cNvSpPr>
-          <p:nvPr>
-            <p:ph idx="1"/>
-          </p:nvPr>
-        </p:nvSpPr>
-        <p:spPr/>
-        <p:txBody>
-          <a:bodyPr/>
-          <a:lstStyle/>
-          <a:p>
-            <a:pPr marL="0" indent="0">
-              <a:buNone/>
-            </a:pPr>
-            <a:endParaRPr lang="en-US" dirty="0"/>
-          </a:p>
-          <a:p>
-            <a:pPr marL="0" indent="0">
-              <a:buNone/>
-            </a:pPr>
-            <a:endParaRPr lang="en-US" dirty="0"/>
-          </a:p>
-          <a:p>
-            <a:pPr marL="0" indent="0">
-              <a:buNone/>
-            </a:pPr>
-            <a:endParaRPr lang="en-US" dirty="0"/>
-          </a:p>
-          <a:p>
-            <a:pPr marL="0" indent="0">
-              <a:buNone/>
-            </a:pPr>
-            <a:endParaRPr lang="en-US" dirty="0"/>
-          </a:p>
-          <a:p>
-            <a:pPr marL="0" indent="0">
-              <a:buNone/>
-            </a:pPr>
-            <a:r>
-              <a:rPr lang="en-US" sz="2800" dirty="0">
-                <a:latin typeface="Palatino" pitchFamily="2" charset="77"/>
-                <a:ea typeface="Palatino" pitchFamily="2" charset="77"/>
-              </a:rPr>
-              <a:t>Alex Lou</a:t>
-            </a:r>
-          </a:p>
-          <a:p>
-            <a:pPr marL="0" indent="0">
-              <a:buNone/>
-            </a:pPr>
-            <a:r>
-              <a:rPr lang="en-US" sz="2800" dirty="0">
-                <a:latin typeface="Palatino" pitchFamily="2" charset="77"/>
-                <a:ea typeface="Palatino" pitchFamily="2" charset="77"/>
-              </a:rPr>
-              <a:t>d.alexlou17@gmail.com</a:t>
-            </a:r>
-          </a:p>
-        </p:txBody>
-      </p:sp>
-      <p:pic>
-        <p:nvPicPr>
-          <p:cNvPr id="6" name="Picture 5">
-            <a:extLst>
-              <a:ext uri="{FF2B5EF4-FFF2-40B4-BE49-F238E27FC236}">
-                <a16:creationId xmlns:a16="http://schemas.microsoft.com/office/drawing/2014/main" id="{30D929CE-17ED-914D-BDD6-E034920658FF}"/>
-              </a:ext>
-            </a:extLst>
-          </p:cNvPr>
-          <p:cNvPicPr>
-            <a:picLocks noChangeAspect="1"/>
-          </p:cNvPicPr>
-          <p:nvPr/>
-        </p:nvPicPr>
-        <p:blipFill>
-          <a:blip r:embed="rId2"/>
-          <a:stretch>
-            <a:fillRect/>
-          </a:stretch>
-        </p:blipFill>
-        <p:spPr>
-          <a:xfrm>
-            <a:off x="6096000" y="2201983"/>
-            <a:ext cx="4637545" cy="2454034"/>
-          </a:xfrm>
-          <a:prstGeom prst="rect">
-            <a:avLst/>
-          </a:prstGeom>
-        </p:spPr>
-      </p:pic>
-    </p:spTree>
-    <p:extLst>
-      <p:ext uri="{BB962C8B-B14F-4D97-AF65-F5344CB8AC3E}">
-        <p14:creationId xmlns:p14="http://schemas.microsoft.com/office/powerpoint/2010/main" val="524664813"/>
-      </p:ext>
-    </p:extLst>
-  </p:cSld>
-  <p:clrMapOvr>
-    <a:masterClrMapping/>
-  </p:clrMapOvr>
-</p:sld>
-</file>
-
 <file path=ppt/slides/slide2.xml><?xml version="1.0" encoding="utf-8"?>
 <p:sld xmlns:a="http://schemas.openxmlformats.org/drawingml/2006/main" xmlns:r="http://schemas.openxmlformats.org/officeDocument/2006/relationships" xmlns:p="http://schemas.openxmlformats.org/presentationml/2006/main">
   <p:cSld>
@@ -6020,172 +6313,6 @@
       </p:grpSpPr>
       <p:sp>
         <p:nvSpPr>
-          <p:cNvPr id="4" name="Title 3">
-            <a:extLst>
-              <a:ext uri="{FF2B5EF4-FFF2-40B4-BE49-F238E27FC236}">
-                <a16:creationId xmlns:a16="http://schemas.microsoft.com/office/drawing/2014/main" id="{95803119-4D1D-2F47-ADB4-C4BAC437A28E}"/>
-              </a:ext>
-            </a:extLst>
-          </p:cNvPr>
-          <p:cNvSpPr>
-            <a:spLocks noGrp="1"/>
-          </p:cNvSpPr>
-          <p:nvPr>
-            <p:ph type="title"/>
-          </p:nvPr>
-        </p:nvSpPr>
-        <p:spPr>
-          <a:xfrm>
-            <a:off x="1130270" y="1122534"/>
-            <a:ext cx="9603275" cy="1049235"/>
-          </a:xfrm>
-        </p:spPr>
-        <p:txBody>
-          <a:bodyPr>
-            <a:normAutofit/>
-          </a:bodyPr>
-          <a:lstStyle/>
-          <a:p>
-            <a:r>
-              <a:rPr lang="en-US" sz="4400" dirty="0">
-                <a:latin typeface="Palatino" pitchFamily="2" charset="77"/>
-                <a:ea typeface="Palatino" pitchFamily="2" charset="77"/>
-              </a:rPr>
-              <a:t>Table of Contents:</a:t>
-            </a:r>
-          </a:p>
-        </p:txBody>
-      </p:sp>
-      <p:sp>
-        <p:nvSpPr>
-          <p:cNvPr id="3" name="Content Placeholder 2">
-            <a:extLst>
-              <a:ext uri="{FF2B5EF4-FFF2-40B4-BE49-F238E27FC236}">
-                <a16:creationId xmlns:a16="http://schemas.microsoft.com/office/drawing/2014/main" id="{54FE0C1A-1B83-4748-9158-54B962BC8775}"/>
-              </a:ext>
-            </a:extLst>
-          </p:cNvPr>
-          <p:cNvSpPr>
-            <a:spLocks noGrp="1"/>
-          </p:cNvSpPr>
-          <p:nvPr>
-            <p:ph idx="1"/>
-          </p:nvPr>
-        </p:nvSpPr>
-        <p:spPr/>
-        <p:txBody>
-          <a:bodyPr>
-            <a:normAutofit lnSpcReduction="10000"/>
-          </a:bodyPr>
-          <a:lstStyle/>
-          <a:p>
-            <a:r>
-              <a:rPr lang="en-US" sz="2400" dirty="0" err="1">
-                <a:latin typeface="Palatino" pitchFamily="2" charset="77"/>
-                <a:ea typeface="Palatino" pitchFamily="2" charset="77"/>
-              </a:rPr>
-              <a:t>Probowl</a:t>
-            </a:r>
-            <a:r>
-              <a:rPr lang="en-US" sz="2400" dirty="0">
-                <a:latin typeface="Palatino" pitchFamily="2" charset="77"/>
-                <a:ea typeface="Palatino" pitchFamily="2" charset="77"/>
-              </a:rPr>
-              <a:t> Background &amp; Motivation</a:t>
-            </a:r>
-          </a:p>
-          <a:p>
-            <a:r>
-              <a:rPr lang="en-US" sz="2400" dirty="0">
-                <a:latin typeface="Palatino" pitchFamily="2" charset="77"/>
-                <a:ea typeface="Palatino" pitchFamily="2" charset="77"/>
-              </a:rPr>
-              <a:t>Data</a:t>
-            </a:r>
-          </a:p>
-          <a:p>
-            <a:r>
-              <a:rPr lang="en-US" sz="2400" dirty="0">
-                <a:latin typeface="Palatino" pitchFamily="2" charset="77"/>
-                <a:ea typeface="Palatino" pitchFamily="2" charset="77"/>
-              </a:rPr>
-              <a:t>Exploratory Data Analysis (EDA)</a:t>
-            </a:r>
-          </a:p>
-          <a:p>
-            <a:r>
-              <a:rPr lang="en-US" sz="2400" dirty="0">
-                <a:latin typeface="Palatino" pitchFamily="2" charset="77"/>
-                <a:ea typeface="Palatino" pitchFamily="2" charset="77"/>
-              </a:rPr>
-              <a:t>MVP: Multivariate Linear Regression</a:t>
-            </a:r>
-          </a:p>
-          <a:p>
-            <a:r>
-              <a:rPr lang="en-US" sz="2400" dirty="0" err="1">
-                <a:latin typeface="Palatino" pitchFamily="2" charset="77"/>
-                <a:ea typeface="Palatino" pitchFamily="2" charset="77"/>
-              </a:rPr>
-              <a:t>ProBowl</a:t>
-            </a:r>
-            <a:r>
-              <a:rPr lang="en-US" sz="2400" dirty="0">
-                <a:latin typeface="Palatino" pitchFamily="2" charset="77"/>
-                <a:ea typeface="Palatino" pitchFamily="2" charset="77"/>
-              </a:rPr>
-              <a:t> Logistic Regression</a:t>
-            </a:r>
-          </a:p>
-          <a:p>
-            <a:r>
-              <a:rPr lang="en-US" sz="2400" dirty="0">
-                <a:latin typeface="Palatino" pitchFamily="2" charset="77"/>
-                <a:ea typeface="Palatino" pitchFamily="2" charset="77"/>
-              </a:rPr>
-              <a:t>Conclusion</a:t>
-            </a:r>
-          </a:p>
-          <a:p>
-            <a:pPr marL="0" indent="0">
-              <a:buNone/>
-            </a:pPr>
-            <a:endParaRPr lang="en-US" dirty="0"/>
-          </a:p>
-        </p:txBody>
-      </p:sp>
-    </p:spTree>
-    <p:extLst>
-      <p:ext uri="{BB962C8B-B14F-4D97-AF65-F5344CB8AC3E}">
-        <p14:creationId xmlns:p14="http://schemas.microsoft.com/office/powerpoint/2010/main" val="1566540719"/>
-      </p:ext>
-    </p:extLst>
-  </p:cSld>
-  <p:clrMapOvr>
-    <a:masterClrMapping/>
-  </p:clrMapOvr>
-</p:sld>
-</file>
-
-<file path=ppt/slides/slide3.xml><?xml version="1.0" encoding="utf-8"?>
-<p:sld xmlns:a="http://schemas.openxmlformats.org/drawingml/2006/main" xmlns:r="http://schemas.openxmlformats.org/officeDocument/2006/relationships" xmlns:p="http://schemas.openxmlformats.org/presentationml/2006/main">
-  <p:cSld>
-    <p:spTree>
-      <p:nvGrpSpPr>
-        <p:cNvPr id="1" name=""/>
-        <p:cNvGrpSpPr/>
-        <p:nvPr/>
-      </p:nvGrpSpPr>
-      <p:grpSpPr>
-        <a:xfrm>
-          <a:off x="0" y="0"/>
-          <a:ext cx="0" cy="0"/>
-          <a:chOff x="0" y="0"/>
-          <a:chExt cx="0" cy="0"/>
-        </a:xfrm>
-      </p:grpSpPr>
-      <p:sp>
-        <p:nvSpPr>
           <p:cNvPr id="2" name="Title 1">
             <a:extLst>
               <a:ext uri="{FF2B5EF4-FFF2-40B4-BE49-F238E27FC236}">
@@ -6206,15 +6333,24 @@
           <a:lstStyle/>
           <a:p>
             <a:r>
-              <a:rPr lang="en-US" dirty="0"/>
+              <a:rPr lang="en-US" dirty="0">
+                <a:latin typeface="Palatino" pitchFamily="2" charset="77"/>
+                <a:ea typeface="Palatino" pitchFamily="2" charset="77"/>
+              </a:rPr>
               <a:t>What is the </a:t>
             </a:r>
             <a:r>
-              <a:rPr lang="en-US" dirty="0" err="1"/>
+              <a:rPr lang="en-US" dirty="0" err="1">
+                <a:latin typeface="Palatino" pitchFamily="2" charset="77"/>
+                <a:ea typeface="Palatino" pitchFamily="2" charset="77"/>
+              </a:rPr>
               <a:t>ProBowl</a:t>
             </a:r>
             <a:r>
-              <a:rPr lang="en-US" dirty="0"/>
+              <a:rPr lang="en-US" dirty="0">
+                <a:latin typeface="Palatino" pitchFamily="2" charset="77"/>
+                <a:ea typeface="Palatino" pitchFamily="2" charset="77"/>
+              </a:rPr>
               <a:t>?</a:t>
             </a:r>
           </a:p>
@@ -6432,6 +6568,175 @@
 </p:sld>
 </file>
 
+<file path=ppt/slides/slide3.xml><?xml version="1.0" encoding="utf-8"?>
+<p:sld xmlns:a="http://schemas.openxmlformats.org/drawingml/2006/main" xmlns:r="http://schemas.openxmlformats.org/officeDocument/2006/relationships" xmlns:p="http://schemas.openxmlformats.org/presentationml/2006/main">
+  <p:cSld>
+    <p:spTree>
+      <p:nvGrpSpPr>
+        <p:cNvPr id="1" name=""/>
+        <p:cNvGrpSpPr/>
+        <p:nvPr/>
+      </p:nvGrpSpPr>
+      <p:grpSpPr>
+        <a:xfrm>
+          <a:off x="0" y="0"/>
+          <a:ext cx="0" cy="0"/>
+          <a:chOff x="0" y="0"/>
+          <a:chExt cx="0" cy="0"/>
+        </a:xfrm>
+      </p:grpSpPr>
+      <p:sp>
+        <p:nvSpPr>
+          <p:cNvPr id="4" name="Title 3">
+            <a:extLst>
+              <a:ext uri="{FF2B5EF4-FFF2-40B4-BE49-F238E27FC236}">
+                <a16:creationId xmlns:a16="http://schemas.microsoft.com/office/drawing/2014/main" id="{3EA3B026-3843-2446-83BB-047809768340}"/>
+              </a:ext>
+            </a:extLst>
+          </p:cNvPr>
+          <p:cNvSpPr>
+            <a:spLocks noGrp="1"/>
+          </p:cNvSpPr>
+          <p:nvPr>
+            <p:ph type="title"/>
+          </p:nvPr>
+        </p:nvSpPr>
+        <p:spPr/>
+        <p:txBody>
+          <a:bodyPr anchor="t">
+            <a:normAutofit/>
+          </a:bodyPr>
+          <a:lstStyle/>
+          <a:p>
+            <a:r>
+              <a:rPr lang="en-US" sz="3200" dirty="0">
+                <a:latin typeface="Palatino" pitchFamily="2" charset="77"/>
+                <a:ea typeface="Palatino" pitchFamily="2" charset="77"/>
+              </a:rPr>
+              <a:t>How are players selected?</a:t>
+            </a:r>
+          </a:p>
+        </p:txBody>
+      </p:sp>
+      <p:sp>
+        <p:nvSpPr>
+          <p:cNvPr id="6" name="Text Placeholder 5">
+            <a:extLst>
+              <a:ext uri="{FF2B5EF4-FFF2-40B4-BE49-F238E27FC236}">
+                <a16:creationId xmlns:a16="http://schemas.microsoft.com/office/drawing/2014/main" id="{854E45B0-EFE7-1843-8CC4-A8E60EA2981B}"/>
+              </a:ext>
+            </a:extLst>
+          </p:cNvPr>
+          <p:cNvSpPr>
+            <a:spLocks noGrp="1"/>
+          </p:cNvSpPr>
+          <p:nvPr>
+            <p:ph type="body" sz="half" idx="2"/>
+          </p:nvPr>
+        </p:nvSpPr>
+        <p:spPr>
+          <a:xfrm>
+            <a:off x="1124291" y="2608993"/>
+            <a:ext cx="3275013" cy="2322176"/>
+          </a:xfrm>
+        </p:spPr>
+        <p:txBody>
+          <a:bodyPr>
+            <a:noAutofit/>
+          </a:bodyPr>
+          <a:lstStyle/>
+          <a:p>
+            <a:r>
+              <a:rPr lang="en-US" sz="2400" u="sng" dirty="0">
+                <a:latin typeface="Palatino" pitchFamily="2" charset="77"/>
+                <a:ea typeface="Palatino" pitchFamily="2" charset="77"/>
+              </a:rPr>
+              <a:t>Votes are cast by:</a:t>
+            </a:r>
+          </a:p>
+          <a:p>
+            <a:pPr marL="285750" indent="-285750">
+              <a:buFont typeface="Arial" panose="020B0604020202020204" pitchFamily="34" charset="0"/>
+              <a:buChar char="•"/>
+            </a:pPr>
+            <a:r>
+              <a:rPr lang="en-US" sz="2400" dirty="0">
+                <a:latin typeface="Palatino" pitchFamily="2" charset="77"/>
+                <a:ea typeface="Palatino" pitchFamily="2" charset="77"/>
+              </a:rPr>
+              <a:t>Other Players</a:t>
+            </a:r>
+          </a:p>
+          <a:p>
+            <a:pPr marL="285750" indent="-285750">
+              <a:buFont typeface="Arial" panose="020B0604020202020204" pitchFamily="34" charset="0"/>
+              <a:buChar char="•"/>
+            </a:pPr>
+            <a:r>
+              <a:rPr lang="en-US" sz="2400" dirty="0">
+                <a:latin typeface="Palatino" pitchFamily="2" charset="77"/>
+                <a:ea typeface="Palatino" pitchFamily="2" charset="77"/>
+              </a:rPr>
+              <a:t>Coaches</a:t>
+            </a:r>
+          </a:p>
+          <a:p>
+            <a:pPr marL="285750" indent="-285750">
+              <a:buFont typeface="Arial" panose="020B0604020202020204" pitchFamily="34" charset="0"/>
+              <a:buChar char="•"/>
+            </a:pPr>
+            <a:r>
+              <a:rPr lang="en-US" sz="2400" dirty="0">
+                <a:latin typeface="Palatino" pitchFamily="2" charset="77"/>
+                <a:ea typeface="Palatino" pitchFamily="2" charset="77"/>
+              </a:rPr>
+              <a:t>Fans</a:t>
+            </a:r>
+          </a:p>
+        </p:txBody>
+      </p:sp>
+      <p:pic>
+        <p:nvPicPr>
+          <p:cNvPr id="15" name="Content Placeholder 14">
+            <a:extLst>
+              <a:ext uri="{FF2B5EF4-FFF2-40B4-BE49-F238E27FC236}">
+                <a16:creationId xmlns:a16="http://schemas.microsoft.com/office/drawing/2014/main" id="{5AD1AF7B-46DA-1242-8AA7-7DF286B304DE}"/>
+              </a:ext>
+            </a:extLst>
+          </p:cNvPr>
+          <p:cNvPicPr>
+            <a:picLocks noGrp="1" noChangeAspect="1"/>
+          </p:cNvPicPr>
+          <p:nvPr>
+            <p:ph idx="1"/>
+          </p:nvPr>
+        </p:nvPicPr>
+        <p:blipFill>
+          <a:blip r:embed="rId2"/>
+          <a:stretch>
+            <a:fillRect/>
+          </a:stretch>
+        </p:blipFill>
+        <p:spPr>
+          <a:xfrm>
+            <a:off x="4722813" y="1513880"/>
+            <a:ext cx="6013450" cy="3382565"/>
+          </a:xfrm>
+        </p:spPr>
+      </p:pic>
+    </p:spTree>
+    <p:extLst>
+      <p:ext uri="{BB962C8B-B14F-4D97-AF65-F5344CB8AC3E}">
+        <p14:creationId xmlns:p14="http://schemas.microsoft.com/office/powerpoint/2010/main" val="1337656790"/>
+      </p:ext>
+    </p:extLst>
+  </p:cSld>
+  <p:clrMapOvr>
+    <a:masterClrMapping/>
+  </p:clrMapOvr>
+</p:sld>
+</file>
+
 <file path=ppt/slides/slide4.xml><?xml version="1.0" encoding="utf-8"?>
 <p:sld xmlns:a="http://schemas.openxmlformats.org/drawingml/2006/main" xmlns:r="http://schemas.openxmlformats.org/officeDocument/2006/relationships" xmlns:p="http://schemas.openxmlformats.org/presentationml/2006/main">
   <p:cSld>
@@ -6451,10 +6756,10 @@
       </p:grpSpPr>
       <p:sp>
         <p:nvSpPr>
-          <p:cNvPr id="4" name="Title 3">
+          <p:cNvPr id="2" name="Title 1">
             <a:extLst>
               <a:ext uri="{FF2B5EF4-FFF2-40B4-BE49-F238E27FC236}">
-                <a16:creationId xmlns:a16="http://schemas.microsoft.com/office/drawing/2014/main" id="{3EA3B026-3843-2446-83BB-047809768340}"/>
+                <a16:creationId xmlns:a16="http://schemas.microsoft.com/office/drawing/2014/main" id="{3175B8BF-D49F-AC42-9B73-9EC9FD8BA47D}"/>
               </a:ext>
             </a:extLst>
           </p:cNvPr>
@@ -6467,157 +6772,46 @@
         </p:nvSpPr>
         <p:spPr/>
         <p:txBody>
-          <a:bodyPr anchor="t">
-            <a:normAutofit/>
-          </a:bodyPr>
+          <a:bodyPr/>
           <a:lstStyle/>
           <a:p>
             <a:r>
-              <a:rPr lang="en-US" sz="3200" dirty="0">
+              <a:rPr lang="en-US" dirty="0">
                 <a:latin typeface="Palatino" pitchFamily="2" charset="77"/>
                 <a:ea typeface="Palatino" pitchFamily="2" charset="77"/>
               </a:rPr>
-              <a:t>How are players selected to the </a:t>
-            </a:r>
-            <a:r>
-              <a:rPr lang="en-US" sz="3200" dirty="0" err="1">
+              <a:t>Research Question: </a:t>
+            </a:r>
+            <a:br>
+              <a:rPr lang="en-US" b="1" u="sng" dirty="0">
                 <a:latin typeface="Palatino" pitchFamily="2" charset="77"/>
                 <a:ea typeface="Palatino" pitchFamily="2" charset="77"/>
               </a:rPr>
-              <a:t>ProBowl</a:t>
-            </a:r>
-            <a:r>
-              <a:rPr lang="en-US" sz="3200" dirty="0">
-                <a:latin typeface="Palatino" pitchFamily="2" charset="77"/>
-                <a:ea typeface="Palatino" pitchFamily="2" charset="77"/>
-              </a:rPr>
-              <a:t>?</a:t>
-            </a:r>
-          </a:p>
-        </p:txBody>
-      </p:sp>
-      <p:sp>
-        <p:nvSpPr>
-          <p:cNvPr id="6" name="Text Placeholder 5">
+            </a:br>
+            <a:endParaRPr lang="en-US" dirty="0"/>
+          </a:p>
+        </p:txBody>
+      </p:sp>
+      <p:sp>
+        <p:nvSpPr>
+          <p:cNvPr id="4" name="Content Placeholder 3">
             <a:extLst>
               <a:ext uri="{FF2B5EF4-FFF2-40B4-BE49-F238E27FC236}">
-                <a16:creationId xmlns:a16="http://schemas.microsoft.com/office/drawing/2014/main" id="{854E45B0-EFE7-1843-8CC4-A8E60EA2981B}"/>
+                <a16:creationId xmlns:a16="http://schemas.microsoft.com/office/drawing/2014/main" id="{0BA87955-DD55-724D-B0F3-B5FB92BE190A}"/>
               </a:ext>
             </a:extLst>
           </p:cNvPr>
-          <p:cNvSpPr>
-            <a:spLocks noGrp="1"/>
-          </p:cNvSpPr>
-          <p:nvPr>
-            <p:ph type="body" sz="half" idx="2"/>
+          <p:cNvSpPr txBox="1">
+            <a:spLocks noGrp="1"/>
+          </p:cNvSpPr>
+          <p:nvPr>
+            <p:ph idx="1"/>
           </p:nvPr>
         </p:nvSpPr>
         <p:spPr>
           <a:xfrm>
-            <a:off x="1124291" y="2608993"/>
-            <a:ext cx="3275013" cy="2322176"/>
-          </a:xfrm>
-        </p:spPr>
-        <p:txBody>
-          <a:bodyPr>
-            <a:noAutofit/>
-          </a:bodyPr>
-          <a:lstStyle/>
-          <a:p>
-            <a:r>
-              <a:rPr lang="en-US" sz="2400" dirty="0">
-                <a:latin typeface="Palatino" pitchFamily="2" charset="77"/>
-                <a:ea typeface="Palatino" pitchFamily="2" charset="77"/>
-              </a:rPr>
-              <a:t>Votes are cast by:</a:t>
-            </a:r>
-          </a:p>
-          <a:p>
-            <a:pPr marL="285750" indent="-285750">
-              <a:buFont typeface="Arial" panose="020B0604020202020204" pitchFamily="34" charset="0"/>
-              <a:buChar char="•"/>
-            </a:pPr>
-            <a:r>
-              <a:rPr lang="en-US" sz="2400" dirty="0">
-                <a:latin typeface="Palatino" pitchFamily="2" charset="77"/>
-                <a:ea typeface="Palatino" pitchFamily="2" charset="77"/>
-              </a:rPr>
-              <a:t>Other Players</a:t>
-            </a:r>
-          </a:p>
-          <a:p>
-            <a:pPr marL="285750" indent="-285750">
-              <a:buFont typeface="Arial" panose="020B0604020202020204" pitchFamily="34" charset="0"/>
-              <a:buChar char="•"/>
-            </a:pPr>
-            <a:r>
-              <a:rPr lang="en-US" sz="2400" dirty="0">
-                <a:latin typeface="Palatino" pitchFamily="2" charset="77"/>
-                <a:ea typeface="Palatino" pitchFamily="2" charset="77"/>
-              </a:rPr>
-              <a:t>Coaches</a:t>
-            </a:r>
-          </a:p>
-          <a:p>
-            <a:pPr marL="285750" indent="-285750">
-              <a:buFont typeface="Arial" panose="020B0604020202020204" pitchFamily="34" charset="0"/>
-              <a:buChar char="•"/>
-            </a:pPr>
-            <a:r>
-              <a:rPr lang="en-US" sz="2400" dirty="0">
-                <a:latin typeface="Palatino" pitchFamily="2" charset="77"/>
-                <a:ea typeface="Palatino" pitchFamily="2" charset="77"/>
-              </a:rPr>
-              <a:t>Fans</a:t>
-            </a:r>
-          </a:p>
-        </p:txBody>
-      </p:sp>
-      <p:pic>
-        <p:nvPicPr>
-          <p:cNvPr id="15" name="Content Placeholder 14">
-            <a:extLst>
-              <a:ext uri="{FF2B5EF4-FFF2-40B4-BE49-F238E27FC236}">
-                <a16:creationId xmlns:a16="http://schemas.microsoft.com/office/drawing/2014/main" id="{5AD1AF7B-46DA-1242-8AA7-7DF286B304DE}"/>
-              </a:ext>
-            </a:extLst>
-          </p:cNvPr>
-          <p:cNvPicPr>
-            <a:picLocks noGrp="1" noChangeAspect="1"/>
-          </p:cNvPicPr>
-          <p:nvPr>
-            <p:ph idx="1"/>
-          </p:nvPr>
-        </p:nvPicPr>
-        <p:blipFill>
-          <a:blip r:embed="rId2"/>
-          <a:stretch>
-            <a:fillRect/>
-          </a:stretch>
-        </p:blipFill>
-        <p:spPr>
-          <a:xfrm>
-            <a:off x="4722813" y="1513880"/>
-            <a:ext cx="6013450" cy="3382565"/>
-          </a:xfrm>
-        </p:spPr>
-      </p:pic>
-      <p:sp>
-        <p:nvSpPr>
-          <p:cNvPr id="16" name="TextBox 15">
-            <a:extLst>
-              <a:ext uri="{FF2B5EF4-FFF2-40B4-BE49-F238E27FC236}">
-                <a16:creationId xmlns:a16="http://schemas.microsoft.com/office/drawing/2014/main" id="{2CE30F61-0A1D-4646-94AC-D7893847A60B}"/>
-              </a:ext>
-            </a:extLst>
-          </p:cNvPr>
-          <p:cNvSpPr txBox="1"/>
-          <p:nvPr/>
-        </p:nvSpPr>
-        <p:spPr>
-          <a:xfrm>
-            <a:off x="1124291" y="5173884"/>
-            <a:ext cx="9977377" cy="954107"/>
+            <a:off x="1130270" y="2088120"/>
+            <a:ext cx="9603275" cy="1740989"/>
           </a:xfrm>
           <a:prstGeom prst="rect">
             <a:avLst/>
@@ -6630,17 +6824,20 @@
           </a:bodyPr>
           <a:lstStyle/>
           <a:p>
-            <a:r>
-              <a:rPr lang="en-US" sz="2800" b="1" dirty="0">
-                <a:latin typeface="Palatino" pitchFamily="2" charset="77"/>
-                <a:ea typeface="Palatino" pitchFamily="2" charset="77"/>
-              </a:rPr>
-              <a:t>Research Question: </a:t>
-            </a:r>
-          </a:p>
-          <a:p>
-            <a:r>
-              <a:rPr lang="en-US" sz="2800" b="1" dirty="0">
+            <a:pPr marL="0" indent="0">
+              <a:buNone/>
+            </a:pPr>
+            <a:endParaRPr lang="en-US" sz="4400" b="1" dirty="0">
+              <a:latin typeface="Palatino" pitchFamily="2" charset="77"/>
+              <a:ea typeface="Palatino" pitchFamily="2" charset="77"/>
+            </a:endParaRPr>
+          </a:p>
+          <a:p>
+            <a:pPr marL="0" indent="0">
+              <a:buNone/>
+            </a:pPr>
+            <a:r>
+              <a:rPr lang="en-US" sz="4000" b="1" dirty="0">
                 <a:latin typeface="Palatino" pitchFamily="2" charset="77"/>
                 <a:ea typeface="Palatino" pitchFamily="2" charset="77"/>
               </a:rPr>
@@ -6652,7 +6849,7 @@
     </p:spTree>
     <p:extLst>
       <p:ext uri="{BB962C8B-B14F-4D97-AF65-F5344CB8AC3E}">
-        <p14:creationId xmlns:p14="http://schemas.microsoft.com/office/powerpoint/2010/main" val="1337656790"/>
+        <p14:creationId xmlns:p14="http://schemas.microsoft.com/office/powerpoint/2010/main" val="3462884722"/>
       </p:ext>
     </p:extLst>
   </p:cSld>
@@ -6734,12 +6931,18 @@
         </p:spPr>
         <p:txBody>
           <a:bodyPr>
-            <a:normAutofit fontScale="92500" lnSpcReduction="10000"/>
+            <a:normAutofit lnSpcReduction="10000"/>
           </a:bodyPr>
           <a:lstStyle/>
           <a:p>
-            <a:r>
-              <a:rPr lang="en-US" sz="2400" dirty="0">
+            <a:endParaRPr lang="en-US" sz="2800" dirty="0">
+              <a:latin typeface="Palatino" pitchFamily="2" charset="77"/>
+              <a:ea typeface="Palatino" pitchFamily="2" charset="77"/>
+            </a:endParaRPr>
+          </a:p>
+          <a:p>
+            <a:r>
+              <a:rPr lang="en-US" sz="2800" dirty="0">
                 <a:latin typeface="Palatino" pitchFamily="2" charset="77"/>
                 <a:ea typeface="Palatino" pitchFamily="2" charset="77"/>
               </a:rPr>
@@ -6748,7 +6951,7 @@
           </a:p>
           <a:p>
             <a:r>
-              <a:rPr lang="en-US" sz="2400" dirty="0">
+              <a:rPr lang="en-US" sz="2800" dirty="0">
                 <a:latin typeface="Palatino" pitchFamily="2" charset="77"/>
                 <a:ea typeface="Palatino" pitchFamily="2" charset="77"/>
               </a:rPr>
@@ -6757,7 +6960,7 @@
           </a:p>
           <a:p>
             <a:r>
-              <a:rPr lang="en-US" sz="2400" dirty="0">
+              <a:rPr lang="en-US" sz="2800" dirty="0">
                 <a:latin typeface="Palatino" pitchFamily="2" charset="77"/>
                 <a:ea typeface="Palatino" pitchFamily="2" charset="77"/>
               </a:rPr>
@@ -6766,7 +6969,7 @@
           </a:p>
           <a:p>
             <a:r>
-              <a:rPr lang="en-US" sz="2400" dirty="0">
+              <a:rPr lang="en-US" sz="2800" dirty="0">
                 <a:latin typeface="Palatino" pitchFamily="2" charset="77"/>
                 <a:ea typeface="Palatino" pitchFamily="2" charset="77"/>
               </a:rPr>
@@ -6774,61 +6977,18 @@
             </a:r>
           </a:p>
           <a:p>
-            <a:pPr lvl="1"/>
-            <a:r>
-              <a:rPr lang="en-US" sz="2400" dirty="0">
+            <a:r>
+              <a:rPr lang="en-US" sz="2800" dirty="0">
                 <a:latin typeface="Palatino" pitchFamily="2" charset="77"/>
                 <a:ea typeface="Palatino" pitchFamily="2" charset="77"/>
               </a:rPr>
-              <a:t>Each row represents a different player in the NFL</a:t>
-            </a:r>
-          </a:p>
-          <a:p>
-            <a:r>
-              <a:rPr lang="en-US" sz="2400" dirty="0">
-                <a:latin typeface="Palatino" pitchFamily="2" charset="77"/>
-                <a:ea typeface="Palatino" pitchFamily="2" charset="77"/>
-              </a:rPr>
-              <a:t>29 features:</a:t>
-            </a:r>
-          </a:p>
-          <a:p>
-            <a:pPr lvl="1"/>
-            <a:r>
-              <a:rPr lang="en-US" sz="2400" dirty="0">
-                <a:latin typeface="Palatino" pitchFamily="2" charset="77"/>
-                <a:ea typeface="Palatino" pitchFamily="2" charset="77"/>
-              </a:rPr>
-              <a:t>7 of importance: </a:t>
-            </a:r>
-          </a:p>
-          <a:p>
-            <a:pPr marL="457200" lvl="1" indent="0">
+              <a:t>29 features</a:t>
+            </a:r>
+          </a:p>
+          <a:p>
+            <a:pPr marL="0" indent="0">
               <a:buNone/>
             </a:pPr>
-            <a:r>
-              <a:rPr lang="en-US" sz="2400" dirty="0">
-                <a:latin typeface="Palatino" pitchFamily="2" charset="77"/>
-                <a:ea typeface="Palatino" pitchFamily="2" charset="77"/>
-              </a:rPr>
-              <a:t>	RRTD, Yards, Fumble, Age, Games, Touches, </a:t>
-            </a:r>
-            <a:r>
-              <a:rPr lang="en-US" sz="2400" dirty="0" err="1">
-                <a:latin typeface="Palatino" pitchFamily="2" charset="77"/>
-                <a:ea typeface="Palatino" pitchFamily="2" charset="77"/>
-              </a:rPr>
-              <a:t>ProBowl</a:t>
-            </a:r>
-            <a:r>
-              <a:rPr lang="en-US" sz="2400" dirty="0">
-                <a:latin typeface="Palatino" pitchFamily="2" charset="77"/>
-                <a:ea typeface="Palatino" pitchFamily="2" charset="77"/>
-              </a:rPr>
-              <a:t> Status</a:t>
-            </a:r>
-          </a:p>
-          <a:p>
             <a:endParaRPr lang="en-US" dirty="0"/>
           </a:p>
         </p:txBody>
@@ -6910,7 +7070,7 @@
             <p:ph idx="1"/>
             <p:extLst>
               <p:ext uri="{D42A27DB-BD31-4B8C-83A1-F6EECF244321}">
-                <p14:modId xmlns:p14="http://schemas.microsoft.com/office/powerpoint/2010/main" val="2181944883"/>
+                <p14:modId xmlns:p14="http://schemas.microsoft.com/office/powerpoint/2010/main" val="2805799242"/>
               </p:ext>
             </p:extLst>
           </p:nvPr>
@@ -7277,7 +7437,7 @@
                           <a:latin typeface="Palatino" pitchFamily="2" charset="77"/>
                           <a:ea typeface="Palatino" pitchFamily="2" charset="77"/>
                         </a:rPr>
-                        <a:t>Touch</a:t>
+                        <a:t>Touches</a:t>
                       </a:r>
                     </a:p>
                   </a:txBody>
@@ -7310,7 +7470,7 @@
                           <a:latin typeface="Palatino" pitchFamily="2" charset="77"/>
                           <a:ea typeface="Palatino" pitchFamily="2" charset="77"/>
                         </a:rPr>
-                        <a:t>Touch: Rushing and receiving attempts</a:t>
+                        <a:t>Rushing and receiving attempts</a:t>
                       </a:r>
                     </a:p>
                   </a:txBody>
@@ -7480,64 +7640,9 @@
             <p:spPr/>
             <p:txBody>
               <a:bodyPr>
-                <a:normAutofit lnSpcReduction="10000"/>
+                <a:normAutofit/>
               </a:bodyPr>
               <a:lstStyle/>
-              <a:p>
-                <a14:m>
-                  <m:oMath xmlns:m="http://schemas.openxmlformats.org/officeDocument/2006/math">
-                    <m:r>
-                      <a:rPr lang="en-US" sz="2600" b="0" i="1" smtClean="0">
-                        <a:latin typeface="Cambria Math" panose="02040503050406030204" pitchFamily="18" charset="0"/>
-                      </a:rPr>
-                      <m:t>𝑦</m:t>
-                    </m:r>
-                    <m:r>
-                      <a:rPr lang="en-US" sz="2600" b="0" i="1" smtClean="0">
-                        <a:latin typeface="Cambria Math" panose="02040503050406030204" pitchFamily="18" charset="0"/>
-                      </a:rPr>
-                      <m:t>=</m:t>
-                    </m:r>
-                    <m:r>
-                      <a:rPr lang="en-US" sz="2600" b="0" i="1" smtClean="0">
-                        <a:latin typeface="Cambria Math" panose="02040503050406030204" pitchFamily="18" charset="0"/>
-                      </a:rPr>
-                      <m:t>𝑋</m:t>
-                    </m:r>
-                    <m:r>
-                      <a:rPr lang="en-US" sz="2600" b="0" i="1" smtClean="0">
-                        <a:latin typeface="Cambria Math" panose="02040503050406030204" pitchFamily="18" charset="0"/>
-                        <a:ea typeface="Cambria Math" panose="02040503050406030204" pitchFamily="18" charset="0"/>
-                      </a:rPr>
-                      <m:t>𝛽</m:t>
-                    </m:r>
-                    <m:r>
-                      <a:rPr lang="en-US" sz="2600" b="0" i="0" smtClean="0">
-                        <a:latin typeface="Cambria Math" panose="02040503050406030204" pitchFamily="18" charset="0"/>
-                        <a:ea typeface="Cambria Math" panose="02040503050406030204" pitchFamily="18" charset="0"/>
-                      </a:rPr>
-                      <m:t>+</m:t>
-                    </m:r>
-                    <m:r>
-                      <m:rPr>
-                        <m:sty m:val="p"/>
-                      </m:rPr>
-                      <a:rPr lang="el-GR" sz="2600" b="0" i="1" smtClean="0">
-                        <a:latin typeface="Cambria Math" panose="02040503050406030204" pitchFamily="18" charset="0"/>
-                        <a:ea typeface="Cambria Math" panose="02040503050406030204" pitchFamily="18" charset="0"/>
-                      </a:rPr>
-                      <m:t>ε</m:t>
-                    </m:r>
-                  </m:oMath>
-                </a14:m>
-                <a:r>
-                  <a:rPr lang="en-US" sz="2600" dirty="0">
-                    <a:latin typeface="Palatino" pitchFamily="2" charset="77"/>
-                    <a:ea typeface="Palatino" pitchFamily="2" charset="77"/>
-                  </a:rPr>
-                  <a:t> </a:t>
-                </a:r>
-              </a:p>
               <a:p>
                 <a:r>
                   <a:rPr lang="en-US" sz="2600" dirty="0">
@@ -7837,9 +7942,9 @@
             </p:nvSpPr>
             <p:spPr>
               <a:blipFill>
-                <a:blip r:embed="rId2"/>
+                <a:blip r:embed="rId3"/>
                 <a:stretch>
-                  <a:fillRect l="-925" t="-769"/>
+                  <a:fillRect l="-925" t="-385"/>
                 </a:stretch>
               </a:blipFill>
             </p:spPr>
@@ -7893,7 +7998,7 @@
           <p:cNvPr id="2" name="Title 1">
             <a:extLst>
               <a:ext uri="{FF2B5EF4-FFF2-40B4-BE49-F238E27FC236}">
-                <a16:creationId xmlns:a16="http://schemas.microsoft.com/office/drawing/2014/main" id="{DDC46745-ECDA-4C4D-992F-55E2F61E4FBE}"/>
+                <a16:creationId xmlns:a16="http://schemas.microsoft.com/office/drawing/2014/main" id="{EB2C9C94-FA35-0048-968B-624BE9A1E3D4}"/>
               </a:ext>
             </a:extLst>
           </p:cNvPr>
@@ -7909,76 +8014,107 @@
           <a:bodyPr/>
           <a:lstStyle/>
           <a:p>
-            <a:endParaRPr lang="en-US"/>
-          </a:p>
-        </p:txBody>
-      </p:sp>
-      <p:pic>
-        <p:nvPicPr>
-          <p:cNvPr id="11" name="Content Placeholder 10">
+            <a:r>
+              <a:rPr lang="en-US" dirty="0">
+                <a:latin typeface="Palatino" pitchFamily="2" charset="77"/>
+                <a:ea typeface="Palatino" pitchFamily="2" charset="77"/>
+              </a:rPr>
+              <a:t>OLS Result</a:t>
+            </a:r>
+          </a:p>
+        </p:txBody>
+      </p:sp>
+      <p:sp>
+        <p:nvSpPr>
+          <p:cNvPr id="3" name="Content Placeholder 2">
             <a:extLst>
               <a:ext uri="{FF2B5EF4-FFF2-40B4-BE49-F238E27FC236}">
-                <a16:creationId xmlns:a16="http://schemas.microsoft.com/office/drawing/2014/main" id="{C0203A4C-0E82-AE43-8E10-372A76BEEA34}"/>
+                <a16:creationId xmlns:a16="http://schemas.microsoft.com/office/drawing/2014/main" id="{6426ADF2-6DAB-364B-921B-C4B158CBBBED}"/>
               </a:ext>
             </a:extLst>
           </p:cNvPr>
-          <p:cNvPicPr>
-            <a:picLocks noGrp="1" noChangeAspect="1"/>
-          </p:cNvPicPr>
+          <p:cNvSpPr>
+            <a:spLocks noGrp="1"/>
+          </p:cNvSpPr>
           <p:nvPr>
             <p:ph idx="1"/>
           </p:nvPr>
-        </p:nvPicPr>
-        <p:blipFill>
-          <a:blip r:embed="rId2"/>
-          <a:stretch>
-            <a:fillRect/>
-          </a:stretch>
-        </p:blipFill>
-        <p:spPr>
-          <a:xfrm>
-            <a:off x="3960116" y="2002559"/>
-            <a:ext cx="3943582" cy="455633"/>
-          </a:xfrm>
-          <a:prstGeom prst="rect">
-            <a:avLst/>
-          </a:prstGeom>
-        </p:spPr>
-      </p:pic>
-      <p:pic>
-        <p:nvPicPr>
-          <p:cNvPr id="10" name="Picture 9">
-            <a:extLst>
-              <a:ext uri="{FF2B5EF4-FFF2-40B4-BE49-F238E27FC236}">
-                <a16:creationId xmlns:a16="http://schemas.microsoft.com/office/drawing/2014/main" id="{B6E90AB6-0319-B340-9B84-28F2557B05A8}"/>
-              </a:ext>
-            </a:extLst>
-          </p:cNvPr>
-          <p:cNvPicPr>
-            <a:picLocks noChangeAspect="1"/>
-          </p:cNvPicPr>
-          <p:nvPr/>
-        </p:nvPicPr>
-        <p:blipFill>
-          <a:blip r:embed="rId3"/>
-          <a:stretch>
-            <a:fillRect/>
-          </a:stretch>
-        </p:blipFill>
-        <p:spPr>
-          <a:xfrm>
-            <a:off x="3216522" y="2714238"/>
-            <a:ext cx="5758956" cy="2611114"/>
-          </a:xfrm>
-          <a:prstGeom prst="rect">
-            <a:avLst/>
-          </a:prstGeom>
-        </p:spPr>
-      </p:pic>
+        </p:nvSpPr>
+        <p:spPr/>
+        <p:txBody>
+          <a:bodyPr>
+            <a:normAutofit/>
+          </a:bodyPr>
+          <a:lstStyle/>
+          <a:p>
+            <a:pPr marL="0" indent="0">
+              <a:buNone/>
+            </a:pPr>
+            <a:r>
+              <a:rPr lang="en-US" sz="2800" b="1" dirty="0">
+                <a:latin typeface="Palatino" pitchFamily="2" charset="77"/>
+                <a:ea typeface="Palatino" pitchFamily="2" charset="77"/>
+              </a:rPr>
+              <a:t>R</a:t>
+            </a:r>
+            <a:r>
+              <a:rPr lang="en-US" sz="2800" b="1" baseline="30000" dirty="0">
+                <a:latin typeface="Palatino" pitchFamily="2" charset="77"/>
+                <a:ea typeface="Palatino" pitchFamily="2" charset="77"/>
+              </a:rPr>
+              <a:t>2</a:t>
+            </a:r>
+            <a:r>
+              <a:rPr lang="en-US" sz="2800" b="1" dirty="0">
+                <a:latin typeface="Palatino" pitchFamily="2" charset="77"/>
+                <a:ea typeface="Palatino" pitchFamily="2" charset="77"/>
+              </a:rPr>
+              <a:t> = 0.921 </a:t>
+            </a:r>
+            <a:r>
+              <a:rPr lang="en-US" sz="2400" dirty="0">
+                <a:latin typeface="Palatino" pitchFamily="2" charset="77"/>
+                <a:ea typeface="Palatino" pitchFamily="2" charset="77"/>
+              </a:rPr>
+              <a:t>(Also known as ”goodness of fit”)</a:t>
+            </a:r>
+          </a:p>
+          <a:p>
+            <a:endParaRPr lang="en-US" sz="2400" dirty="0">
+              <a:latin typeface="Palatino" pitchFamily="2" charset="77"/>
+              <a:ea typeface="Palatino" pitchFamily="2" charset="77"/>
+            </a:endParaRPr>
+          </a:p>
+          <a:p>
+            <a:pPr marL="0" indent="0">
+              <a:buNone/>
+            </a:pPr>
+            <a:r>
+              <a:rPr lang="en-US" sz="2400" dirty="0">
+                <a:latin typeface="Palatino" pitchFamily="2" charset="77"/>
+                <a:ea typeface="Palatino" pitchFamily="2" charset="77"/>
+              </a:rPr>
+              <a:t>Interpretation:</a:t>
+            </a:r>
+          </a:p>
+          <a:p>
+            <a:pPr marL="0" indent="0">
+              <a:buNone/>
+            </a:pPr>
+            <a:r>
+              <a:rPr lang="en-US" sz="2400" dirty="0">
+                <a:latin typeface="Palatino" pitchFamily="2" charset="77"/>
+                <a:ea typeface="Palatino" pitchFamily="2" charset="77"/>
+              </a:rPr>
+              <a:t>	This model explains 92.1% of the variability when predicting the number of plays that a NFL player get.</a:t>
+            </a:r>
+          </a:p>
+        </p:txBody>
+      </p:sp>
     </p:spTree>
     <p:extLst>
       <p:ext uri="{BB962C8B-B14F-4D97-AF65-F5344CB8AC3E}">
-        <p14:creationId xmlns:p14="http://schemas.microsoft.com/office/powerpoint/2010/main" val="3547172425"/>
+        <p14:creationId xmlns:p14="http://schemas.microsoft.com/office/powerpoint/2010/main" val="1555450144"/>
       </p:ext>
     </p:extLst>
   </p:cSld>

--- a/project_2_powepoin.pptx
+++ b/project_2_powepoin.pptx
@@ -5705,9 +5705,29 @@
         <p:spPr/>
         <p:txBody>
           <a:bodyPr>
-            <a:normAutofit/>
+            <a:normAutofit fontScale="92500" lnSpcReduction="10000"/>
           </a:bodyPr>
           <a:lstStyle/>
+          <a:p>
+            <a:r>
+              <a:rPr lang="en-US" sz="2800" b="1" u="sng" dirty="0">
+                <a:latin typeface="Palatino" pitchFamily="2" charset="77"/>
+                <a:ea typeface="Palatino" pitchFamily="2" charset="77"/>
+              </a:rPr>
+              <a:t>Research Answer:</a:t>
+            </a:r>
+            <a:r>
+              <a:rPr lang="en-US" sz="2800" b="1" dirty="0">
+                <a:latin typeface="Palatino" pitchFamily="2" charset="77"/>
+                <a:ea typeface="Palatino" pitchFamily="2" charset="77"/>
+              </a:rPr>
+              <a:t> A player’s stats does in fact back the vote!</a:t>
+            </a:r>
+            <a:endParaRPr lang="en-US" sz="2800" dirty="0">
+              <a:latin typeface="Palatino" pitchFamily="2" charset="77"/>
+              <a:ea typeface="Palatino" pitchFamily="2" charset="77"/>
+            </a:endParaRPr>
+          </a:p>
           <a:p>
             <a:r>
               <a:rPr lang="en-US" sz="2400" dirty="0">
@@ -5748,6 +5768,9 @@
             </a:r>
           </a:p>
           <a:p>
+            <a:pPr marL="0" indent="0">
+              <a:buNone/>
+            </a:pPr>
             <a:endParaRPr lang="en-US" sz="2800" dirty="0">
               <a:latin typeface="Palatino" pitchFamily="2" charset="77"/>
               <a:ea typeface="Palatino" pitchFamily="2" charset="77"/>
@@ -5759,14 +5782,7 @@
                 <a:latin typeface="Palatino" pitchFamily="2" charset="77"/>
                 <a:ea typeface="Palatino" pitchFamily="2" charset="77"/>
               </a:rPr>
-              <a:t>Future Research: </a:t>
-            </a:r>
-            <a:r>
-              <a:rPr lang="en-US" sz="2800" b="1" dirty="0">
-                <a:latin typeface="Palatino" pitchFamily="2" charset="77"/>
-                <a:ea typeface="Palatino" pitchFamily="2" charset="77"/>
-              </a:rPr>
-              <a:t>Poisson Regression</a:t>
+              <a:t>Future Research: Poisson Regression</a:t>
             </a:r>
           </a:p>
         </p:txBody>
@@ -5853,21 +5869,9 @@
         <p:spPr/>
         <p:txBody>
           <a:bodyPr>
-            <a:normAutofit lnSpcReduction="10000"/>
+            <a:normAutofit fontScale="85000" lnSpcReduction="20000"/>
           </a:bodyPr>
           <a:lstStyle/>
-          <a:p>
-            <a:pPr marL="0" indent="0">
-              <a:buNone/>
-            </a:pPr>
-            <a:endParaRPr lang="en-US" dirty="0"/>
-          </a:p>
-          <a:p>
-            <a:pPr marL="0" indent="0">
-              <a:buNone/>
-            </a:pPr>
-            <a:endParaRPr lang="en-US" dirty="0"/>
-          </a:p>
           <a:p>
             <a:pPr marL="0" indent="0">
               <a:buNone/>
@@ -5896,6 +5900,31 @@
             <a:pPr marL="0" indent="0">
               <a:buNone/>
             </a:pPr>
+            <a:endParaRPr lang="en-US" sz="3600" dirty="0">
+              <a:latin typeface="Palatino" pitchFamily="2" charset="77"/>
+              <a:ea typeface="Palatino" pitchFamily="2" charset="77"/>
+            </a:endParaRPr>
+          </a:p>
+          <a:p>
+            <a:pPr marL="0" indent="0">
+              <a:buNone/>
+            </a:pPr>
+            <a:r>
+              <a:rPr lang="en-US" sz="3600" dirty="0" err="1">
+                <a:latin typeface="Palatino" pitchFamily="2" charset="77"/>
+                <a:ea typeface="Palatino" pitchFamily="2" charset="77"/>
+              </a:rPr>
+              <a:t>Alexlou.squarespace.com</a:t>
+            </a:r>
+            <a:endParaRPr lang="en-US" sz="3600" dirty="0">
+              <a:latin typeface="Palatino" pitchFamily="2" charset="77"/>
+              <a:ea typeface="Palatino" pitchFamily="2" charset="77"/>
+            </a:endParaRPr>
+          </a:p>
+          <a:p>
+            <a:pPr marL="0" indent="0">
+              <a:buNone/>
+            </a:pPr>
             <a:r>
               <a:rPr lang="en-US" sz="3600" dirty="0">
                 <a:latin typeface="Palatino" pitchFamily="2" charset="77"/>
@@ -5903,6 +5932,15 @@
               </a:rPr>
               <a:t>d.alexlou17@gmail.com</a:t>
             </a:r>
+          </a:p>
+          <a:p>
+            <a:pPr marL="0" indent="0">
+              <a:buNone/>
+            </a:pPr>
+            <a:endParaRPr lang="en-US" sz="3600" dirty="0">
+              <a:latin typeface="Palatino" pitchFamily="2" charset="77"/>
+              <a:ea typeface="Palatino" pitchFamily="2" charset="77"/>
+            </a:endParaRPr>
           </a:p>
         </p:txBody>
       </p:sp>
@@ -7070,7 +7108,7 @@
             <p:ph idx="1"/>
             <p:extLst>
               <p:ext uri="{D42A27DB-BD31-4B8C-83A1-F6EECF244321}">
-                <p14:modId xmlns:p14="http://schemas.microsoft.com/office/powerpoint/2010/main" val="2805799242"/>
+                <p14:modId xmlns:p14="http://schemas.microsoft.com/office/powerpoint/2010/main" val="85589118"/>
               </p:ext>
             </p:extLst>
           </p:nvPr>
@@ -7413,7 +7451,7 @@
                           <a:latin typeface="Palatino" pitchFamily="2" charset="77"/>
                           <a:ea typeface="Palatino" pitchFamily="2" charset="77"/>
                         </a:rPr>
-                        <a:t>Games played</a:t>
+                        <a:t>Number of games played</a:t>
                       </a:r>
                     </a:p>
                   </a:txBody>
